--- a/20221219～/Windows Server时间同步/状況整理_JP.pptx
+++ b/20221219～/Windows Server时间同步/状況整理_JP.pptx
@@ -5,10 +5,10 @@
     <p:sldMasterId id="2147483648" r:id="rId4"/>
   </p:sldMasterIdLst>
   <p:notesMasterIdLst>
-    <p:notesMasterId r:id="rId38"/>
+    <p:notesMasterId r:id="rId41"/>
   </p:notesMasterIdLst>
   <p:handoutMasterIdLst>
-    <p:handoutMasterId r:id="rId39"/>
+    <p:handoutMasterId r:id="rId42"/>
   </p:handoutMasterIdLst>
   <p:sldIdLst>
     <p:sldId id="256" r:id="rId5"/>
@@ -25,25 +25,28 @@
     <p:sldId id="283" r:id="rId16"/>
     <p:sldId id="284" r:id="rId17"/>
     <p:sldId id="285" r:id="rId18"/>
-    <p:sldId id="286" r:id="rId19"/>
-    <p:sldId id="287" r:id="rId20"/>
-    <p:sldId id="288" r:id="rId21"/>
-    <p:sldId id="290" r:id="rId22"/>
-    <p:sldId id="291" r:id="rId23"/>
-    <p:sldId id="292" r:id="rId24"/>
-    <p:sldId id="293" r:id="rId25"/>
-    <p:sldId id="294" r:id="rId26"/>
-    <p:sldId id="295" r:id="rId27"/>
-    <p:sldId id="296" r:id="rId28"/>
-    <p:sldId id="297" r:id="rId29"/>
-    <p:sldId id="298" r:id="rId30"/>
-    <p:sldId id="299" r:id="rId31"/>
-    <p:sldId id="300" r:id="rId32"/>
-    <p:sldId id="301" r:id="rId33"/>
-    <p:sldId id="302" r:id="rId34"/>
-    <p:sldId id="303" r:id="rId35"/>
-    <p:sldId id="304" r:id="rId36"/>
-    <p:sldId id="305" r:id="rId37"/>
+    <p:sldId id="306" r:id="rId19"/>
+    <p:sldId id="307" r:id="rId20"/>
+    <p:sldId id="286" r:id="rId21"/>
+    <p:sldId id="287" r:id="rId22"/>
+    <p:sldId id="288" r:id="rId23"/>
+    <p:sldId id="290" r:id="rId24"/>
+    <p:sldId id="291" r:id="rId25"/>
+    <p:sldId id="292" r:id="rId26"/>
+    <p:sldId id="293" r:id="rId27"/>
+    <p:sldId id="294" r:id="rId28"/>
+    <p:sldId id="295" r:id="rId29"/>
+    <p:sldId id="296" r:id="rId30"/>
+    <p:sldId id="297" r:id="rId31"/>
+    <p:sldId id="298" r:id="rId32"/>
+    <p:sldId id="299" r:id="rId33"/>
+    <p:sldId id="300" r:id="rId34"/>
+    <p:sldId id="308" r:id="rId35"/>
+    <p:sldId id="301" r:id="rId36"/>
+    <p:sldId id="302" r:id="rId37"/>
+    <p:sldId id="303" r:id="rId38"/>
+    <p:sldId id="304" r:id="rId39"/>
+    <p:sldId id="305" r:id="rId40"/>
   </p:sldIdLst>
   <p:sldSz cx="12192000" cy="6858000"/>
   <p:notesSz cx="6858000" cy="9144000"/>
@@ -1390,7 +1393,7 @@
     </p:spTree>
     <p:extLst>
       <p:ext uri="{BB962C8B-B14F-4D97-AF65-F5344CB8AC3E}">
-        <p14:creationId xmlns:p14="http://schemas.microsoft.com/office/powerpoint/2010/main" val="3547484007"/>
+        <p14:creationId xmlns:p14="http://schemas.microsoft.com/office/powerpoint/2010/main" val="867577553"/>
       </p:ext>
     </p:extLst>
   </p:cSld>
@@ -1484,7 +1487,7 @@
     </p:spTree>
     <p:extLst>
       <p:ext uri="{BB962C8B-B14F-4D97-AF65-F5344CB8AC3E}">
-        <p14:creationId xmlns:p14="http://schemas.microsoft.com/office/powerpoint/2010/main" val="559259206"/>
+        <p14:creationId xmlns:p14="http://schemas.microsoft.com/office/powerpoint/2010/main" val="2793037987"/>
       </p:ext>
     </p:extLst>
   </p:cSld>
@@ -1578,7 +1581,7 @@
     </p:spTree>
     <p:extLst>
       <p:ext uri="{BB962C8B-B14F-4D97-AF65-F5344CB8AC3E}">
-        <p14:creationId xmlns:p14="http://schemas.microsoft.com/office/powerpoint/2010/main" val="3953326624"/>
+        <p14:creationId xmlns:p14="http://schemas.microsoft.com/office/powerpoint/2010/main" val="3547484007"/>
       </p:ext>
     </p:extLst>
   </p:cSld>
@@ -1629,10 +1632,9 @@
         </p:nvSpPr>
         <p:spPr/>
         <p:txBody>
-          <a:bodyPr rtlCol="0"/>
+          <a:bodyPr/>
           <a:lstStyle/>
           <a:p>
-            <a:pPr rtl="0"/>
             <a:endParaRPr lang="zh-CN" altLang="en-US">
               <a:latin typeface="Microsoft YaHei UI" panose="020B0503020204020204" pitchFamily="34" charset="-122"/>
               <a:ea typeface="Microsoft YaHei UI" panose="020B0503020204020204" pitchFamily="34" charset="-122"/>
@@ -1642,7 +1644,7 @@
       </p:sp>
       <p:sp>
         <p:nvSpPr>
-          <p:cNvPr id="4" name="幻灯片编号占位符 3"/>
+          <p:cNvPr id="4" name="灯片编号占位符 3"/>
           <p:cNvSpPr>
             <a:spLocks noGrp="1"/>
           </p:cNvSpPr>
@@ -1652,7 +1654,7 @@
         </p:nvSpPr>
         <p:spPr/>
         <p:txBody>
-          <a:bodyPr rtlCol="0"/>
+          <a:bodyPr/>
           <a:lstStyle/>
           <a:p>
             <a:pPr rtl="0"/>
@@ -1673,7 +1675,7 @@
     </p:spTree>
     <p:extLst>
       <p:ext uri="{BB962C8B-B14F-4D97-AF65-F5344CB8AC3E}">
-        <p14:creationId xmlns:p14="http://schemas.microsoft.com/office/powerpoint/2010/main" val="902733359"/>
+        <p14:creationId xmlns:p14="http://schemas.microsoft.com/office/powerpoint/2010/main" val="559259206"/>
       </p:ext>
     </p:extLst>
   </p:cSld>
@@ -1767,7 +1769,7 @@
     </p:spTree>
     <p:extLst>
       <p:ext uri="{BB962C8B-B14F-4D97-AF65-F5344CB8AC3E}">
-        <p14:creationId xmlns:p14="http://schemas.microsoft.com/office/powerpoint/2010/main" val="875331720"/>
+        <p14:creationId xmlns:p14="http://schemas.microsoft.com/office/powerpoint/2010/main" val="3953326624"/>
       </p:ext>
     </p:extLst>
   </p:cSld>
@@ -1912,9 +1914,10 @@
         </p:nvSpPr>
         <p:spPr/>
         <p:txBody>
-          <a:bodyPr/>
+          <a:bodyPr rtlCol="0"/>
           <a:lstStyle/>
           <a:p>
+            <a:pPr rtl="0"/>
             <a:endParaRPr lang="zh-CN" altLang="en-US">
               <a:latin typeface="Microsoft YaHei UI" panose="020B0503020204020204" pitchFamily="34" charset="-122"/>
               <a:ea typeface="Microsoft YaHei UI" panose="020B0503020204020204" pitchFamily="34" charset="-122"/>
@@ -1924,7 +1927,7 @@
       </p:sp>
       <p:sp>
         <p:nvSpPr>
-          <p:cNvPr id="4" name="灯片编号占位符 3"/>
+          <p:cNvPr id="4" name="幻灯片编号占位符 3"/>
           <p:cNvSpPr>
             <a:spLocks noGrp="1"/>
           </p:cNvSpPr>
@@ -1934,7 +1937,7 @@
         </p:nvSpPr>
         <p:spPr/>
         <p:txBody>
-          <a:bodyPr/>
+          <a:bodyPr rtlCol="0"/>
           <a:lstStyle/>
           <a:p>
             <a:pPr rtl="0"/>
@@ -1955,7 +1958,7 @@
     </p:spTree>
     <p:extLst>
       <p:ext uri="{BB962C8B-B14F-4D97-AF65-F5344CB8AC3E}">
-        <p14:creationId xmlns:p14="http://schemas.microsoft.com/office/powerpoint/2010/main" val="106147724"/>
+        <p14:creationId xmlns:p14="http://schemas.microsoft.com/office/powerpoint/2010/main" val="902733359"/>
       </p:ext>
     </p:extLst>
   </p:cSld>
@@ -2049,7 +2052,7 @@
     </p:spTree>
     <p:extLst>
       <p:ext uri="{BB962C8B-B14F-4D97-AF65-F5344CB8AC3E}">
-        <p14:creationId xmlns:p14="http://schemas.microsoft.com/office/powerpoint/2010/main" val="1462121587"/>
+        <p14:creationId xmlns:p14="http://schemas.microsoft.com/office/powerpoint/2010/main" val="875331720"/>
       </p:ext>
     </p:extLst>
   </p:cSld>
@@ -2143,7 +2146,7 @@
     </p:spTree>
     <p:extLst>
       <p:ext uri="{BB962C8B-B14F-4D97-AF65-F5344CB8AC3E}">
-        <p14:creationId xmlns:p14="http://schemas.microsoft.com/office/powerpoint/2010/main" val="1162706079"/>
+        <p14:creationId xmlns:p14="http://schemas.microsoft.com/office/powerpoint/2010/main" val="106147724"/>
       </p:ext>
     </p:extLst>
   </p:cSld>
@@ -2237,7 +2240,7 @@
     </p:spTree>
     <p:extLst>
       <p:ext uri="{BB962C8B-B14F-4D97-AF65-F5344CB8AC3E}">
-        <p14:creationId xmlns:p14="http://schemas.microsoft.com/office/powerpoint/2010/main" val="2641711153"/>
+        <p14:creationId xmlns:p14="http://schemas.microsoft.com/office/powerpoint/2010/main" val="1462121587"/>
       </p:ext>
     </p:extLst>
   </p:cSld>
@@ -2331,7 +2334,7 @@
     </p:spTree>
     <p:extLst>
       <p:ext uri="{BB962C8B-B14F-4D97-AF65-F5344CB8AC3E}">
-        <p14:creationId xmlns:p14="http://schemas.microsoft.com/office/powerpoint/2010/main" val="459133851"/>
+        <p14:creationId xmlns:p14="http://schemas.microsoft.com/office/powerpoint/2010/main" val="1162706079"/>
       </p:ext>
     </p:extLst>
   </p:cSld>
@@ -2425,7 +2428,7 @@
     </p:spTree>
     <p:extLst>
       <p:ext uri="{BB962C8B-B14F-4D97-AF65-F5344CB8AC3E}">
-        <p14:creationId xmlns:p14="http://schemas.microsoft.com/office/powerpoint/2010/main" val="3381925900"/>
+        <p14:creationId xmlns:p14="http://schemas.microsoft.com/office/powerpoint/2010/main" val="2641711153"/>
       </p:ext>
     </p:extLst>
   </p:cSld>
@@ -2519,7 +2522,7 @@
     </p:spTree>
     <p:extLst>
       <p:ext uri="{BB962C8B-B14F-4D97-AF65-F5344CB8AC3E}">
-        <p14:creationId xmlns:p14="http://schemas.microsoft.com/office/powerpoint/2010/main" val="1669183858"/>
+        <p14:creationId xmlns:p14="http://schemas.microsoft.com/office/powerpoint/2010/main" val="459133851"/>
       </p:ext>
     </p:extLst>
   </p:cSld>
@@ -2570,10 +2573,9 @@
         </p:nvSpPr>
         <p:spPr/>
         <p:txBody>
-          <a:bodyPr rtlCol="0"/>
+          <a:bodyPr/>
           <a:lstStyle/>
           <a:p>
-            <a:pPr rtl="0"/>
             <a:endParaRPr lang="zh-CN" altLang="en-US">
               <a:latin typeface="Microsoft YaHei UI" panose="020B0503020204020204" pitchFamily="34" charset="-122"/>
               <a:ea typeface="Microsoft YaHei UI" panose="020B0503020204020204" pitchFamily="34" charset="-122"/>
@@ -2583,7 +2585,7 @@
       </p:sp>
       <p:sp>
         <p:nvSpPr>
-          <p:cNvPr id="4" name="幻灯片编号占位符 3"/>
+          <p:cNvPr id="4" name="灯片编号占位符 3"/>
           <p:cNvSpPr>
             <a:spLocks noGrp="1"/>
           </p:cNvSpPr>
@@ -2593,7 +2595,7 @@
         </p:nvSpPr>
         <p:spPr/>
         <p:txBody>
-          <a:bodyPr rtlCol="0"/>
+          <a:bodyPr/>
           <a:lstStyle/>
           <a:p>
             <a:pPr rtl="0"/>
@@ -2614,7 +2616,7 @@
     </p:spTree>
     <p:extLst>
       <p:ext uri="{BB962C8B-B14F-4D97-AF65-F5344CB8AC3E}">
-        <p14:creationId xmlns:p14="http://schemas.microsoft.com/office/powerpoint/2010/main" val="2496757255"/>
+        <p14:creationId xmlns:p14="http://schemas.microsoft.com/office/powerpoint/2010/main" val="3381925900"/>
       </p:ext>
     </p:extLst>
   </p:cSld>
@@ -2708,7 +2710,7 @@
     </p:spTree>
     <p:extLst>
       <p:ext uri="{BB962C8B-B14F-4D97-AF65-F5344CB8AC3E}">
-        <p14:creationId xmlns:p14="http://schemas.microsoft.com/office/powerpoint/2010/main" val="3629395166"/>
+        <p14:creationId xmlns:p14="http://schemas.microsoft.com/office/powerpoint/2010/main" val="1669183858"/>
       </p:ext>
     </p:extLst>
   </p:cSld>
@@ -2803,7 +2805,7 @@
     </p:spTree>
     <p:extLst>
       <p:ext uri="{BB962C8B-B14F-4D97-AF65-F5344CB8AC3E}">
-        <p14:creationId xmlns:p14="http://schemas.microsoft.com/office/powerpoint/2010/main" val="24062426"/>
+        <p14:creationId xmlns:p14="http://schemas.microsoft.com/office/powerpoint/2010/main" val="2496757255"/>
       </p:ext>
     </p:extLst>
   </p:cSld>
@@ -2992,7 +2994,7 @@
     </p:spTree>
     <p:extLst>
       <p:ext uri="{BB962C8B-B14F-4D97-AF65-F5344CB8AC3E}">
-        <p14:creationId xmlns:p14="http://schemas.microsoft.com/office/powerpoint/2010/main" val="2625966881"/>
+        <p14:creationId xmlns:p14="http://schemas.microsoft.com/office/powerpoint/2010/main" val="3629395166"/>
       </p:ext>
     </p:extLst>
   </p:cSld>
@@ -3086,7 +3088,7 @@
     </p:spTree>
     <p:extLst>
       <p:ext uri="{BB962C8B-B14F-4D97-AF65-F5344CB8AC3E}">
-        <p14:creationId xmlns:p14="http://schemas.microsoft.com/office/powerpoint/2010/main" val="11220523"/>
+        <p14:creationId xmlns:p14="http://schemas.microsoft.com/office/powerpoint/2010/main" val="74425484"/>
       </p:ext>
     </p:extLst>
   </p:cSld>
@@ -3137,9 +3139,10 @@
         </p:nvSpPr>
         <p:spPr/>
         <p:txBody>
-          <a:bodyPr/>
+          <a:bodyPr rtlCol="0"/>
           <a:lstStyle/>
           <a:p>
+            <a:pPr rtl="0"/>
             <a:endParaRPr lang="zh-CN" altLang="en-US">
               <a:latin typeface="Microsoft YaHei UI" panose="020B0503020204020204" pitchFamily="34" charset="-122"/>
               <a:ea typeface="Microsoft YaHei UI" panose="020B0503020204020204" pitchFamily="34" charset="-122"/>
@@ -3149,7 +3152,7 @@
       </p:sp>
       <p:sp>
         <p:nvSpPr>
-          <p:cNvPr id="4" name="灯片编号占位符 3"/>
+          <p:cNvPr id="4" name="幻灯片编号占位符 3"/>
           <p:cNvSpPr>
             <a:spLocks noGrp="1"/>
           </p:cNvSpPr>
@@ -3159,7 +3162,7 @@
         </p:nvSpPr>
         <p:spPr/>
         <p:txBody>
-          <a:bodyPr/>
+          <a:bodyPr rtlCol="0"/>
           <a:lstStyle/>
           <a:p>
             <a:pPr rtl="0"/>
@@ -3180,7 +3183,7 @@
     </p:spTree>
     <p:extLst>
       <p:ext uri="{BB962C8B-B14F-4D97-AF65-F5344CB8AC3E}">
-        <p14:creationId xmlns:p14="http://schemas.microsoft.com/office/powerpoint/2010/main" val="1991381589"/>
+        <p14:creationId xmlns:p14="http://schemas.microsoft.com/office/powerpoint/2010/main" val="24062426"/>
       </p:ext>
     </p:extLst>
   </p:cSld>
@@ -3263,6 +3266,288 @@
                 <a:ea typeface="Microsoft YaHei UI" panose="020B0503020204020204" pitchFamily="34" charset="-122"/>
               </a:rPr>
               <a:t>33</a:t>
+            </a:fld>
+            <a:endParaRPr lang="zh-CN" altLang="en-US">
+              <a:latin typeface="Microsoft YaHei UI" panose="020B0503020204020204" pitchFamily="34" charset="-122"/>
+              <a:ea typeface="Microsoft YaHei UI" panose="020B0503020204020204" pitchFamily="34" charset="-122"/>
+            </a:endParaRPr>
+          </a:p>
+        </p:txBody>
+      </p:sp>
+    </p:spTree>
+    <p:extLst>
+      <p:ext uri="{BB962C8B-B14F-4D97-AF65-F5344CB8AC3E}">
+        <p14:creationId xmlns:p14="http://schemas.microsoft.com/office/powerpoint/2010/main" val="2625966881"/>
+      </p:ext>
+    </p:extLst>
+  </p:cSld>
+  <p:clrMapOvr>
+    <a:masterClrMapping/>
+  </p:clrMapOvr>
+</p:notes>
+</file>
+
+<file path=ppt/notesSlides/notesSlide34.xml><?xml version="1.0" encoding="utf-8"?>
+<p:notes xmlns:a="http://schemas.openxmlformats.org/drawingml/2006/main" xmlns:r="http://schemas.openxmlformats.org/officeDocument/2006/relationships" xmlns:p="http://schemas.openxmlformats.org/presentationml/2006/main">
+  <p:cSld>
+    <p:spTree>
+      <p:nvGrpSpPr>
+        <p:cNvPr id="1" name=""/>
+        <p:cNvGrpSpPr/>
+        <p:nvPr/>
+      </p:nvGrpSpPr>
+      <p:grpSpPr>
+        <a:xfrm>
+          <a:off x="0" y="0"/>
+          <a:ext cx="0" cy="0"/>
+          <a:chOff x="0" y="0"/>
+          <a:chExt cx="0" cy="0"/>
+        </a:xfrm>
+      </p:grpSpPr>
+      <p:sp>
+        <p:nvSpPr>
+          <p:cNvPr id="2" name="幻灯片图像占位符 1"/>
+          <p:cNvSpPr>
+            <a:spLocks noGrp="1" noRot="1" noChangeAspect="1"/>
+          </p:cNvSpPr>
+          <p:nvPr>
+            <p:ph type="sldImg"/>
+          </p:nvPr>
+        </p:nvSpPr>
+        <p:spPr/>
+      </p:sp>
+      <p:sp>
+        <p:nvSpPr>
+          <p:cNvPr id="3" name="备注占位符 2"/>
+          <p:cNvSpPr>
+            <a:spLocks noGrp="1"/>
+          </p:cNvSpPr>
+          <p:nvPr>
+            <p:ph type="body" idx="1"/>
+          </p:nvPr>
+        </p:nvSpPr>
+        <p:spPr/>
+        <p:txBody>
+          <a:bodyPr/>
+          <a:lstStyle/>
+          <a:p>
+            <a:endParaRPr lang="zh-CN" altLang="en-US">
+              <a:latin typeface="Microsoft YaHei UI" panose="020B0503020204020204" pitchFamily="34" charset="-122"/>
+              <a:ea typeface="Microsoft YaHei UI" panose="020B0503020204020204" pitchFamily="34" charset="-122"/>
+            </a:endParaRPr>
+          </a:p>
+        </p:txBody>
+      </p:sp>
+      <p:sp>
+        <p:nvSpPr>
+          <p:cNvPr id="4" name="灯片编号占位符 3"/>
+          <p:cNvSpPr>
+            <a:spLocks noGrp="1"/>
+          </p:cNvSpPr>
+          <p:nvPr>
+            <p:ph type="sldNum" sz="quarter" idx="5"/>
+          </p:nvPr>
+        </p:nvSpPr>
+        <p:spPr/>
+        <p:txBody>
+          <a:bodyPr/>
+          <a:lstStyle/>
+          <a:p>
+            <a:pPr rtl="0"/>
+            <a:fld id="{F97DC217-DF71-1A49-B3EA-559F1F43B0FF}" type="slidenum">
+              <a:rPr lang="en-US" altLang="zh-CN" smtClean="0">
+                <a:latin typeface="Microsoft YaHei UI" panose="020B0503020204020204" pitchFamily="34" charset="-122"/>
+                <a:ea typeface="Microsoft YaHei UI" panose="020B0503020204020204" pitchFamily="34" charset="-122"/>
+              </a:rPr>
+              <a:t>34</a:t>
+            </a:fld>
+            <a:endParaRPr lang="zh-CN" altLang="en-US">
+              <a:latin typeface="Microsoft YaHei UI" panose="020B0503020204020204" pitchFamily="34" charset="-122"/>
+              <a:ea typeface="Microsoft YaHei UI" panose="020B0503020204020204" pitchFamily="34" charset="-122"/>
+            </a:endParaRPr>
+          </a:p>
+        </p:txBody>
+      </p:sp>
+    </p:spTree>
+    <p:extLst>
+      <p:ext uri="{BB962C8B-B14F-4D97-AF65-F5344CB8AC3E}">
+        <p14:creationId xmlns:p14="http://schemas.microsoft.com/office/powerpoint/2010/main" val="11220523"/>
+      </p:ext>
+    </p:extLst>
+  </p:cSld>
+  <p:clrMapOvr>
+    <a:masterClrMapping/>
+  </p:clrMapOvr>
+</p:notes>
+</file>
+
+<file path=ppt/notesSlides/notesSlide35.xml><?xml version="1.0" encoding="utf-8"?>
+<p:notes xmlns:a="http://schemas.openxmlformats.org/drawingml/2006/main" xmlns:r="http://schemas.openxmlformats.org/officeDocument/2006/relationships" xmlns:p="http://schemas.openxmlformats.org/presentationml/2006/main">
+  <p:cSld>
+    <p:spTree>
+      <p:nvGrpSpPr>
+        <p:cNvPr id="1" name=""/>
+        <p:cNvGrpSpPr/>
+        <p:nvPr/>
+      </p:nvGrpSpPr>
+      <p:grpSpPr>
+        <a:xfrm>
+          <a:off x="0" y="0"/>
+          <a:ext cx="0" cy="0"/>
+          <a:chOff x="0" y="0"/>
+          <a:chExt cx="0" cy="0"/>
+        </a:xfrm>
+      </p:grpSpPr>
+      <p:sp>
+        <p:nvSpPr>
+          <p:cNvPr id="2" name="幻灯片图像占位符 1"/>
+          <p:cNvSpPr>
+            <a:spLocks noGrp="1" noRot="1" noChangeAspect="1"/>
+          </p:cNvSpPr>
+          <p:nvPr>
+            <p:ph type="sldImg"/>
+          </p:nvPr>
+        </p:nvSpPr>
+        <p:spPr/>
+      </p:sp>
+      <p:sp>
+        <p:nvSpPr>
+          <p:cNvPr id="3" name="备注占位符 2"/>
+          <p:cNvSpPr>
+            <a:spLocks noGrp="1"/>
+          </p:cNvSpPr>
+          <p:nvPr>
+            <p:ph type="body" idx="1"/>
+          </p:nvPr>
+        </p:nvSpPr>
+        <p:spPr/>
+        <p:txBody>
+          <a:bodyPr/>
+          <a:lstStyle/>
+          <a:p>
+            <a:endParaRPr lang="zh-CN" altLang="en-US">
+              <a:latin typeface="Microsoft YaHei UI" panose="020B0503020204020204" pitchFamily="34" charset="-122"/>
+              <a:ea typeface="Microsoft YaHei UI" panose="020B0503020204020204" pitchFamily="34" charset="-122"/>
+            </a:endParaRPr>
+          </a:p>
+        </p:txBody>
+      </p:sp>
+      <p:sp>
+        <p:nvSpPr>
+          <p:cNvPr id="4" name="灯片编号占位符 3"/>
+          <p:cNvSpPr>
+            <a:spLocks noGrp="1"/>
+          </p:cNvSpPr>
+          <p:nvPr>
+            <p:ph type="sldNum" sz="quarter" idx="5"/>
+          </p:nvPr>
+        </p:nvSpPr>
+        <p:spPr/>
+        <p:txBody>
+          <a:bodyPr/>
+          <a:lstStyle/>
+          <a:p>
+            <a:pPr rtl="0"/>
+            <a:fld id="{F97DC217-DF71-1A49-B3EA-559F1F43B0FF}" type="slidenum">
+              <a:rPr lang="en-US" altLang="zh-CN" smtClean="0">
+                <a:latin typeface="Microsoft YaHei UI" panose="020B0503020204020204" pitchFamily="34" charset="-122"/>
+                <a:ea typeface="Microsoft YaHei UI" panose="020B0503020204020204" pitchFamily="34" charset="-122"/>
+              </a:rPr>
+              <a:t>35</a:t>
+            </a:fld>
+            <a:endParaRPr lang="zh-CN" altLang="en-US">
+              <a:latin typeface="Microsoft YaHei UI" panose="020B0503020204020204" pitchFamily="34" charset="-122"/>
+              <a:ea typeface="Microsoft YaHei UI" panose="020B0503020204020204" pitchFamily="34" charset="-122"/>
+            </a:endParaRPr>
+          </a:p>
+        </p:txBody>
+      </p:sp>
+    </p:spTree>
+    <p:extLst>
+      <p:ext uri="{BB962C8B-B14F-4D97-AF65-F5344CB8AC3E}">
+        <p14:creationId xmlns:p14="http://schemas.microsoft.com/office/powerpoint/2010/main" val="1991381589"/>
+      </p:ext>
+    </p:extLst>
+  </p:cSld>
+  <p:clrMapOvr>
+    <a:masterClrMapping/>
+  </p:clrMapOvr>
+</p:notes>
+</file>
+
+<file path=ppt/notesSlides/notesSlide36.xml><?xml version="1.0" encoding="utf-8"?>
+<p:notes xmlns:a="http://schemas.openxmlformats.org/drawingml/2006/main" xmlns:r="http://schemas.openxmlformats.org/officeDocument/2006/relationships" xmlns:p="http://schemas.openxmlformats.org/presentationml/2006/main">
+  <p:cSld>
+    <p:spTree>
+      <p:nvGrpSpPr>
+        <p:cNvPr id="1" name=""/>
+        <p:cNvGrpSpPr/>
+        <p:nvPr/>
+      </p:nvGrpSpPr>
+      <p:grpSpPr>
+        <a:xfrm>
+          <a:off x="0" y="0"/>
+          <a:ext cx="0" cy="0"/>
+          <a:chOff x="0" y="0"/>
+          <a:chExt cx="0" cy="0"/>
+        </a:xfrm>
+      </p:grpSpPr>
+      <p:sp>
+        <p:nvSpPr>
+          <p:cNvPr id="2" name="幻灯片图像占位符 1"/>
+          <p:cNvSpPr>
+            <a:spLocks noGrp="1" noRot="1" noChangeAspect="1"/>
+          </p:cNvSpPr>
+          <p:nvPr>
+            <p:ph type="sldImg"/>
+          </p:nvPr>
+        </p:nvSpPr>
+        <p:spPr/>
+      </p:sp>
+      <p:sp>
+        <p:nvSpPr>
+          <p:cNvPr id="3" name="备注占位符 2"/>
+          <p:cNvSpPr>
+            <a:spLocks noGrp="1"/>
+          </p:cNvSpPr>
+          <p:nvPr>
+            <p:ph type="body" idx="1"/>
+          </p:nvPr>
+        </p:nvSpPr>
+        <p:spPr/>
+        <p:txBody>
+          <a:bodyPr/>
+          <a:lstStyle/>
+          <a:p>
+            <a:endParaRPr lang="zh-CN" altLang="en-US">
+              <a:latin typeface="Microsoft YaHei UI" panose="020B0503020204020204" pitchFamily="34" charset="-122"/>
+              <a:ea typeface="Microsoft YaHei UI" panose="020B0503020204020204" pitchFamily="34" charset="-122"/>
+            </a:endParaRPr>
+          </a:p>
+        </p:txBody>
+      </p:sp>
+      <p:sp>
+        <p:nvSpPr>
+          <p:cNvPr id="4" name="灯片编号占位符 3"/>
+          <p:cNvSpPr>
+            <a:spLocks noGrp="1"/>
+          </p:cNvSpPr>
+          <p:nvPr>
+            <p:ph type="sldNum" sz="quarter" idx="5"/>
+          </p:nvPr>
+        </p:nvSpPr>
+        <p:spPr/>
+        <p:txBody>
+          <a:bodyPr/>
+          <a:lstStyle/>
+          <a:p>
+            <a:pPr rtl="0"/>
+            <a:fld id="{F97DC217-DF71-1A49-B3EA-559F1F43B0FF}" type="slidenum">
+              <a:rPr lang="en-US" altLang="zh-CN" smtClean="0">
+                <a:latin typeface="Microsoft YaHei UI" panose="020B0503020204020204" pitchFamily="34" charset="-122"/>
+                <a:ea typeface="Microsoft YaHei UI" panose="020B0503020204020204" pitchFamily="34" charset="-122"/>
+              </a:rPr>
+              <a:t>36</a:t>
             </a:fld>
             <a:endParaRPr lang="zh-CN" altLang="en-US">
               <a:latin typeface="Microsoft YaHei UI" panose="020B0503020204020204" pitchFamily="34" charset="-122"/>
@@ -16500,37 +16785,6 @@
           </a:p>
         </p:txBody>
       </p:sp>
-      <p:sp>
-        <p:nvSpPr>
-          <p:cNvPr id="3" name="副标题 2">
-            <a:extLst>
-              <a:ext uri="{FF2B5EF4-FFF2-40B4-BE49-F238E27FC236}">
-                <a16:creationId xmlns:a16="http://schemas.microsoft.com/office/drawing/2014/main" id="{A068D447-28D3-4F5F-B2DC-FD67E9015868}"/>
-              </a:ext>
-            </a:extLst>
-          </p:cNvPr>
-          <p:cNvSpPr>
-            <a:spLocks noGrp="1"/>
-          </p:cNvSpPr>
-          <p:nvPr>
-            <p:ph type="subTitle" idx="1"/>
-          </p:nvPr>
-        </p:nvSpPr>
-        <p:spPr>
-          <a:xfrm>
-            <a:off x="1167493" y="3602038"/>
-            <a:ext cx="9500507" cy="806675"/>
-          </a:xfrm>
-        </p:spPr>
-        <p:txBody>
-          <a:bodyPr rtlCol="0"/>
-          <a:lstStyle/>
-          <a:p>
-            <a:pPr rtl="0"/>
-            <a:endParaRPr lang="en-US" altLang="zh-CN" dirty="0"/>
-          </a:p>
-        </p:txBody>
-      </p:sp>
     </p:spTree>
     <p:extLst>
       <p:ext uri="{BB962C8B-B14F-4D97-AF65-F5344CB8AC3E}">
@@ -17496,7 +17750,11 @@
             </a:r>
             <a:r>
               <a:rPr lang="ja-JP" altLang="en-US" dirty="0"/>
-              <a:t>プール</a:t>
+              <a:t> </a:t>
+            </a:r>
+            <a:r>
+              <a:rPr lang="en-US" altLang="ja-JP" dirty="0"/>
+              <a:t>pool</a:t>
             </a:r>
             <a:endParaRPr lang="zh-CN" altLang="en-US" dirty="0"/>
           </a:p>
@@ -18157,15 +18415,11 @@
           <a:p>
             <a:r>
               <a:rPr lang="ja-JP" altLang="en-US" dirty="0"/>
-              <a:t>＊修正前</a:t>
+              <a:t>＊修正後</a:t>
             </a:r>
             <a:r>
               <a:rPr lang="en-US" altLang="ja-JP" dirty="0"/>
-              <a:t>NTP</a:t>
-            </a:r>
-            <a:r>
-              <a:rPr lang="ja-JP" altLang="en-US" dirty="0"/>
-              <a:t>プール</a:t>
+              <a:t>NTP pool</a:t>
             </a:r>
             <a:endParaRPr lang="zh-CN" altLang="en-US" dirty="0"/>
           </a:p>
@@ -18201,6 +18455,36 @@
           <a:chExt cx="0" cy="0"/>
         </a:xfrm>
       </p:grpSpPr>
+      <p:pic>
+        <p:nvPicPr>
+          <p:cNvPr id="18" name="图片 17">
+            <a:extLst>
+              <a:ext uri="{FF2B5EF4-FFF2-40B4-BE49-F238E27FC236}">
+                <a16:creationId xmlns:a16="http://schemas.microsoft.com/office/drawing/2014/main" id="{F1B061FF-B401-4801-AF23-04ACEF9F5222}"/>
+              </a:ext>
+            </a:extLst>
+          </p:cNvPr>
+          <p:cNvPicPr>
+            <a:picLocks noChangeAspect="1"/>
+          </p:cNvPicPr>
+          <p:nvPr/>
+        </p:nvPicPr>
+        <p:blipFill>
+          <a:blip r:embed="rId3"/>
+          <a:stretch>
+            <a:fillRect/>
+          </a:stretch>
+        </p:blipFill>
+        <p:spPr>
+          <a:xfrm>
+            <a:off x="552350" y="1232738"/>
+            <a:ext cx="5914952" cy="4990741"/>
+          </a:xfrm>
+          <a:prstGeom prst="rect">
+            <a:avLst/>
+          </a:prstGeom>
+        </p:spPr>
+      </p:pic>
       <p:sp>
         <p:nvSpPr>
           <p:cNvPr id="2" name="标题 1">
@@ -18278,6 +18562,1130 @@
               <a:rPr lang="en-US" altLang="zh-CN" smtClean="0"/>
               <a:pPr rtl="0"/>
               <a:t>15</a:t>
+            </a:fld>
+            <a:endParaRPr lang="zh-CN" altLang="en-US"/>
+          </a:p>
+        </p:txBody>
+      </p:sp>
+      <p:sp>
+        <p:nvSpPr>
+          <p:cNvPr id="3" name="文本框 2">
+            <a:extLst>
+              <a:ext uri="{FF2B5EF4-FFF2-40B4-BE49-F238E27FC236}">
+                <a16:creationId xmlns:a16="http://schemas.microsoft.com/office/drawing/2014/main" id="{0953223B-39D0-4D48-9965-3AB3E4B976AF}"/>
+              </a:ext>
+            </a:extLst>
+          </p:cNvPr>
+          <p:cNvSpPr txBox="1"/>
+          <p:nvPr/>
+        </p:nvSpPr>
+        <p:spPr>
+          <a:xfrm>
+            <a:off x="7410350" y="1505341"/>
+            <a:ext cx="3329694" cy="923330"/>
+          </a:xfrm>
+          <a:prstGeom prst="rect">
+            <a:avLst/>
+          </a:prstGeom>
+          <a:noFill/>
+        </p:spPr>
+        <p:txBody>
+          <a:bodyPr wrap="square" rtlCol="0">
+            <a:spAutoFit/>
+          </a:bodyPr>
+          <a:lstStyle/>
+          <a:p>
+            <a:r>
+              <a:rPr lang="ja-JP" altLang="en-US" dirty="0"/>
+              <a:t>＊外部</a:t>
+            </a:r>
+            <a:r>
+              <a:rPr lang="en-US" altLang="ja-JP" dirty="0"/>
+              <a:t>NTP</a:t>
+            </a:r>
+            <a:r>
+              <a:rPr lang="ja-JP" altLang="en-US" dirty="0"/>
+              <a:t>サーバーがアクセスできない場合、ローカルクロックを使用する</a:t>
+            </a:r>
+            <a:endParaRPr lang="zh-CN" altLang="en-US" dirty="0"/>
+          </a:p>
+        </p:txBody>
+      </p:sp>
+      <p:sp>
+        <p:nvSpPr>
+          <p:cNvPr id="11" name="文本框 10">
+            <a:extLst>
+              <a:ext uri="{FF2B5EF4-FFF2-40B4-BE49-F238E27FC236}">
+                <a16:creationId xmlns:a16="http://schemas.microsoft.com/office/drawing/2014/main" id="{6969B2D3-BC74-4123-886D-741116C7B1B2}"/>
+              </a:ext>
+            </a:extLst>
+          </p:cNvPr>
+          <p:cNvSpPr txBox="1"/>
+          <p:nvPr/>
+        </p:nvSpPr>
+        <p:spPr>
+          <a:xfrm>
+            <a:off x="7410350" y="4854624"/>
+            <a:ext cx="3329694" cy="738664"/>
+          </a:xfrm>
+          <a:prstGeom prst="rect">
+            <a:avLst/>
+          </a:prstGeom>
+          <a:noFill/>
+        </p:spPr>
+        <p:txBody>
+          <a:bodyPr wrap="square" rtlCol="0">
+            <a:spAutoFit/>
+          </a:bodyPr>
+          <a:lstStyle/>
+          <a:p>
+            <a:r>
+              <a:rPr lang="ja-JP" altLang="en-US" sz="1400" dirty="0">
+                <a:solidFill>
+                  <a:srgbClr val="FF0000"/>
+                </a:solidFill>
+              </a:rPr>
+              <a:t>＊</a:t>
+            </a:r>
+            <a:r>
+              <a:rPr lang="en-US" altLang="ja-JP" sz="1400" dirty="0">
+                <a:solidFill>
+                  <a:srgbClr val="FF0000"/>
+                </a:solidFill>
+              </a:rPr>
+              <a:t>Ubuntu </a:t>
+            </a:r>
+            <a:r>
+              <a:rPr lang="en-US" altLang="zh-CN" sz="1400" dirty="0">
+                <a:solidFill>
+                  <a:srgbClr val="FF0000"/>
+                </a:solidFill>
+              </a:rPr>
+              <a:t>VM</a:t>
+            </a:r>
+            <a:r>
+              <a:rPr lang="ja-JP" altLang="en-US" sz="1400" dirty="0">
+                <a:solidFill>
+                  <a:srgbClr val="FF0000"/>
+                </a:solidFill>
+              </a:rPr>
+              <a:t>の時間を修正したが、</a:t>
+            </a:r>
+            <a:r>
+              <a:rPr lang="en-US" altLang="ja-JP" sz="1400" dirty="0">
+                <a:solidFill>
+                  <a:srgbClr val="FF0000"/>
+                </a:solidFill>
+              </a:rPr>
+              <a:t>Windows</a:t>
+            </a:r>
+            <a:r>
+              <a:rPr lang="ja-JP" altLang="en-US" sz="1400" dirty="0">
+                <a:solidFill>
+                  <a:srgbClr val="FF0000"/>
+                </a:solidFill>
+              </a:rPr>
+              <a:t> </a:t>
+            </a:r>
+            <a:r>
+              <a:rPr lang="en-US" altLang="ja-JP" sz="1400" dirty="0">
+                <a:solidFill>
+                  <a:srgbClr val="FF0000"/>
+                </a:solidFill>
+              </a:rPr>
+              <a:t>Server</a:t>
+            </a:r>
+            <a:r>
+              <a:rPr lang="ja-JP" altLang="en-US" sz="1400" dirty="0">
+                <a:solidFill>
+                  <a:srgbClr val="FF0000"/>
+                </a:solidFill>
+              </a:rPr>
+              <a:t>取得の時間は修正後の時間ではなかった</a:t>
+            </a:r>
+            <a:endParaRPr lang="en-US" altLang="ja-JP" sz="1400" dirty="0">
+              <a:solidFill>
+                <a:srgbClr val="FF0000"/>
+              </a:solidFill>
+            </a:endParaRPr>
+          </a:p>
+        </p:txBody>
+      </p:sp>
+      <p:sp>
+        <p:nvSpPr>
+          <p:cNvPr id="13" name="矩形 12">
+            <a:extLst>
+              <a:ext uri="{FF2B5EF4-FFF2-40B4-BE49-F238E27FC236}">
+                <a16:creationId xmlns:a16="http://schemas.microsoft.com/office/drawing/2014/main" id="{E1B832C6-0475-40F8-9B86-AA3C364B1572}"/>
+              </a:ext>
+            </a:extLst>
+          </p:cNvPr>
+          <p:cNvSpPr/>
+          <p:nvPr/>
+        </p:nvSpPr>
+        <p:spPr>
+          <a:xfrm>
+            <a:off x="469159" y="4904509"/>
+            <a:ext cx="3363008" cy="908541"/>
+          </a:xfrm>
+          <a:prstGeom prst="rect">
+            <a:avLst/>
+          </a:prstGeom>
+          <a:noFill/>
+          <a:ln w="28575">
+            <a:solidFill>
+              <a:srgbClr val="FF0000"/>
+            </a:solidFill>
+          </a:ln>
+        </p:spPr>
+        <p:style>
+          <a:lnRef idx="2">
+            <a:schemeClr val="accent1">
+              <a:shade val="50000"/>
+            </a:schemeClr>
+          </a:lnRef>
+          <a:fillRef idx="1">
+            <a:schemeClr val="accent1"/>
+          </a:fillRef>
+          <a:effectRef idx="0">
+            <a:schemeClr val="accent1"/>
+          </a:effectRef>
+          <a:fontRef idx="minor">
+            <a:schemeClr val="lt1"/>
+          </a:fontRef>
+        </p:style>
+        <p:txBody>
+          <a:bodyPr rtlCol="0" anchor="t"/>
+          <a:lstStyle>
+            <a:lvl1pPr marL="0" indent="0">
+              <a:defRPr sz="1100">
+                <a:solidFill>
+                  <a:schemeClr val="lt1"/>
+                </a:solidFill>
+                <a:latin typeface="+mn-lt"/>
+                <a:ea typeface="+mn-ea"/>
+                <a:cs typeface="+mn-cs"/>
+              </a:defRPr>
+            </a:lvl1pPr>
+            <a:lvl2pPr marL="457200" indent="0">
+              <a:defRPr sz="1100">
+                <a:solidFill>
+                  <a:schemeClr val="lt1"/>
+                </a:solidFill>
+                <a:latin typeface="+mn-lt"/>
+                <a:ea typeface="+mn-ea"/>
+                <a:cs typeface="+mn-cs"/>
+              </a:defRPr>
+            </a:lvl2pPr>
+            <a:lvl3pPr marL="914400" indent="0">
+              <a:defRPr sz="1100">
+                <a:solidFill>
+                  <a:schemeClr val="lt1"/>
+                </a:solidFill>
+                <a:latin typeface="+mn-lt"/>
+                <a:ea typeface="+mn-ea"/>
+                <a:cs typeface="+mn-cs"/>
+              </a:defRPr>
+            </a:lvl3pPr>
+            <a:lvl4pPr marL="1371600" indent="0">
+              <a:defRPr sz="1100">
+                <a:solidFill>
+                  <a:schemeClr val="lt1"/>
+                </a:solidFill>
+                <a:latin typeface="+mn-lt"/>
+                <a:ea typeface="+mn-ea"/>
+                <a:cs typeface="+mn-cs"/>
+              </a:defRPr>
+            </a:lvl4pPr>
+            <a:lvl5pPr marL="1828800" indent="0">
+              <a:defRPr sz="1100">
+                <a:solidFill>
+                  <a:schemeClr val="lt1"/>
+                </a:solidFill>
+                <a:latin typeface="+mn-lt"/>
+                <a:ea typeface="+mn-ea"/>
+                <a:cs typeface="+mn-cs"/>
+              </a:defRPr>
+            </a:lvl5pPr>
+            <a:lvl6pPr marL="2286000" indent="0">
+              <a:defRPr sz="1100">
+                <a:solidFill>
+                  <a:schemeClr val="lt1"/>
+                </a:solidFill>
+                <a:latin typeface="+mn-lt"/>
+                <a:ea typeface="+mn-ea"/>
+                <a:cs typeface="+mn-cs"/>
+              </a:defRPr>
+            </a:lvl6pPr>
+            <a:lvl7pPr marL="2743200" indent="0">
+              <a:defRPr sz="1100">
+                <a:solidFill>
+                  <a:schemeClr val="lt1"/>
+                </a:solidFill>
+                <a:latin typeface="+mn-lt"/>
+                <a:ea typeface="+mn-ea"/>
+                <a:cs typeface="+mn-cs"/>
+              </a:defRPr>
+            </a:lvl7pPr>
+            <a:lvl8pPr marL="3200400" indent="0">
+              <a:defRPr sz="1100">
+                <a:solidFill>
+                  <a:schemeClr val="lt1"/>
+                </a:solidFill>
+                <a:latin typeface="+mn-lt"/>
+                <a:ea typeface="+mn-ea"/>
+                <a:cs typeface="+mn-cs"/>
+              </a:defRPr>
+            </a:lvl8pPr>
+            <a:lvl9pPr marL="3657600" indent="0">
+              <a:defRPr sz="1100">
+                <a:solidFill>
+                  <a:schemeClr val="lt1"/>
+                </a:solidFill>
+                <a:latin typeface="+mn-lt"/>
+                <a:ea typeface="+mn-ea"/>
+                <a:cs typeface="+mn-cs"/>
+              </a:defRPr>
+            </a:lvl9pPr>
+          </a:lstStyle>
+          <a:p>
+            <a:pPr algn="l"/>
+            <a:endParaRPr lang="zh-CN" altLang="en-US" sz="1100"/>
+          </a:p>
+        </p:txBody>
+      </p:sp>
+      <p:sp>
+        <p:nvSpPr>
+          <p:cNvPr id="16" name="文本框 15">
+            <a:extLst>
+              <a:ext uri="{FF2B5EF4-FFF2-40B4-BE49-F238E27FC236}">
+                <a16:creationId xmlns:a16="http://schemas.microsoft.com/office/drawing/2014/main" id="{99D55333-3FC2-4EBD-A9D5-BE598029AC70}"/>
+              </a:ext>
+            </a:extLst>
+          </p:cNvPr>
+          <p:cNvSpPr txBox="1"/>
+          <p:nvPr/>
+        </p:nvSpPr>
+        <p:spPr>
+          <a:xfrm>
+            <a:off x="7410350" y="2606958"/>
+            <a:ext cx="4335534" cy="954107"/>
+          </a:xfrm>
+          <a:prstGeom prst="rect">
+            <a:avLst/>
+          </a:prstGeom>
+          <a:noFill/>
+        </p:spPr>
+        <p:txBody>
+          <a:bodyPr wrap="square" rtlCol="0">
+            <a:spAutoFit/>
+          </a:bodyPr>
+          <a:lstStyle/>
+          <a:p>
+            <a:r>
+              <a:rPr lang="en-US" altLang="ja-JP" sz="1400" dirty="0"/>
+              <a:t>10.0.0.4</a:t>
+            </a:r>
+            <a:r>
+              <a:rPr lang="zh-CN" altLang="en-US" sz="1400" dirty="0"/>
+              <a:t>：</a:t>
+            </a:r>
+            <a:r>
+              <a:rPr lang="en-US" altLang="zh-CN" sz="1400" dirty="0"/>
+              <a:t>Ubuntu VM</a:t>
+            </a:r>
+            <a:r>
+              <a:rPr lang="ja-JP" altLang="en-US" sz="1400" dirty="0"/>
+              <a:t>の</a:t>
+            </a:r>
+            <a:r>
+              <a:rPr lang="en-US" altLang="ja-JP" sz="1400" dirty="0"/>
+              <a:t>IP</a:t>
+            </a:r>
+          </a:p>
+          <a:p>
+            <a:r>
+              <a:rPr lang="en-US" altLang="ja-JP" sz="1400" dirty="0"/>
+              <a:t>10.0.0.0</a:t>
+            </a:r>
+            <a:r>
+              <a:rPr lang="ja-JP" altLang="en-US" sz="1400" dirty="0"/>
+              <a:t>：ゲートウェイ</a:t>
+            </a:r>
+            <a:endParaRPr lang="en-US" altLang="ja-JP" sz="1400" dirty="0"/>
+          </a:p>
+          <a:p>
+            <a:r>
+              <a:rPr lang="en-US" altLang="ja-JP" sz="1400" dirty="0"/>
+              <a:t>255.255.0.0</a:t>
+            </a:r>
+            <a:r>
+              <a:rPr lang="ja-JP" altLang="en-US" sz="1400" dirty="0"/>
+              <a:t>：サブネットマスク</a:t>
+            </a:r>
+            <a:endParaRPr lang="en-US" altLang="ja-JP" sz="1400" dirty="0"/>
+          </a:p>
+          <a:p>
+            <a:r>
+              <a:rPr lang="en-US" altLang="zh-CN" sz="1400" dirty="0"/>
+              <a:t>127.127.1.0</a:t>
+            </a:r>
+            <a:r>
+              <a:rPr lang="zh-CN" altLang="en-US" sz="1400" dirty="0"/>
+              <a:t>：</a:t>
+            </a:r>
+            <a:r>
+              <a:rPr lang="ja-JP" altLang="en-US" sz="1400" dirty="0"/>
+              <a:t>ローカルクロックの固定値</a:t>
+            </a:r>
+            <a:endParaRPr lang="zh-CN" altLang="en-US" sz="1400" dirty="0"/>
+          </a:p>
+        </p:txBody>
+      </p:sp>
+      <p:sp>
+        <p:nvSpPr>
+          <p:cNvPr id="19" name="文本框 18">
+            <a:extLst>
+              <a:ext uri="{FF2B5EF4-FFF2-40B4-BE49-F238E27FC236}">
+                <a16:creationId xmlns:a16="http://schemas.microsoft.com/office/drawing/2014/main" id="{A650BE77-CB4A-41D8-8B85-123161EA7A6B}"/>
+              </a:ext>
+            </a:extLst>
+          </p:cNvPr>
+          <p:cNvSpPr txBox="1"/>
+          <p:nvPr/>
+        </p:nvSpPr>
+        <p:spPr>
+          <a:xfrm>
+            <a:off x="7410349" y="4115960"/>
+            <a:ext cx="3437759" cy="738664"/>
+          </a:xfrm>
+          <a:prstGeom prst="rect">
+            <a:avLst/>
+          </a:prstGeom>
+          <a:noFill/>
+        </p:spPr>
+        <p:txBody>
+          <a:bodyPr wrap="square" rtlCol="0">
+            <a:spAutoFit/>
+          </a:bodyPr>
+          <a:lstStyle/>
+          <a:p>
+            <a:r>
+              <a:rPr lang="ja-JP" altLang="en-US" sz="1400" dirty="0">
+                <a:solidFill>
+                  <a:srgbClr val="FF0000"/>
+                </a:solidFill>
+              </a:rPr>
+              <a:t>＊</a:t>
+            </a:r>
+            <a:r>
+              <a:rPr lang="en-US" altLang="ja-JP" sz="1400" dirty="0">
+                <a:solidFill>
+                  <a:srgbClr val="FF0000"/>
+                </a:solidFill>
+              </a:rPr>
+              <a:t>pool 127.127.1.0</a:t>
+            </a:r>
+          </a:p>
+          <a:p>
+            <a:r>
+              <a:rPr lang="ja-JP" altLang="en-US" sz="1400" dirty="0">
+                <a:solidFill>
+                  <a:srgbClr val="FF0000"/>
+                </a:solidFill>
+              </a:rPr>
+              <a:t>＊</a:t>
+            </a:r>
+            <a:r>
+              <a:rPr lang="en-US" altLang="ja-JP" sz="1400" dirty="0">
+                <a:solidFill>
+                  <a:srgbClr val="FF0000"/>
+                </a:solidFill>
+              </a:rPr>
+              <a:t>Ubuntu</a:t>
+            </a:r>
+            <a:r>
+              <a:rPr lang="ja-JP" altLang="en-US" sz="1400" dirty="0">
+                <a:solidFill>
+                  <a:srgbClr val="FF0000"/>
+                </a:solidFill>
+              </a:rPr>
+              <a:t> </a:t>
+            </a:r>
+            <a:r>
+              <a:rPr lang="en-US" altLang="ja-JP" sz="1400" dirty="0">
+                <a:solidFill>
+                  <a:srgbClr val="FF0000"/>
+                </a:solidFill>
+              </a:rPr>
+              <a:t>VM</a:t>
+            </a:r>
+            <a:r>
+              <a:rPr lang="ja-JP" altLang="en-US" sz="1400" dirty="0">
+                <a:solidFill>
+                  <a:srgbClr val="FF0000"/>
+                </a:solidFill>
+              </a:rPr>
+              <a:t>時間修正時、他の</a:t>
+            </a:r>
+            <a:r>
+              <a:rPr lang="en-US" altLang="ja-JP" sz="1400" dirty="0">
+                <a:solidFill>
+                  <a:srgbClr val="FF0000"/>
+                </a:solidFill>
+              </a:rPr>
+              <a:t>NTP</a:t>
+            </a:r>
+            <a:r>
+              <a:rPr lang="ja-JP" altLang="en-US" sz="1400" dirty="0">
+                <a:solidFill>
+                  <a:srgbClr val="FF0000"/>
+                </a:solidFill>
+              </a:rPr>
+              <a:t> </a:t>
+            </a:r>
+            <a:r>
+              <a:rPr lang="en-US" altLang="ja-JP" sz="1400" dirty="0">
+                <a:solidFill>
+                  <a:srgbClr val="FF0000"/>
+                </a:solidFill>
+              </a:rPr>
+              <a:t>Pool</a:t>
+            </a:r>
+            <a:r>
+              <a:rPr lang="ja-JP" altLang="en-US" sz="1400" dirty="0">
+                <a:solidFill>
+                  <a:srgbClr val="FF0000"/>
+                </a:solidFill>
+              </a:rPr>
+              <a:t>の参照を削除した</a:t>
+            </a:r>
+            <a:endParaRPr lang="zh-CN" altLang="en-US" sz="1400" dirty="0">
+              <a:solidFill>
+                <a:srgbClr val="FF0000"/>
+              </a:solidFill>
+            </a:endParaRPr>
+          </a:p>
+        </p:txBody>
+      </p:sp>
+    </p:spTree>
+    <p:extLst>
+      <p:ext uri="{BB962C8B-B14F-4D97-AF65-F5344CB8AC3E}">
+        <p14:creationId xmlns:p14="http://schemas.microsoft.com/office/powerpoint/2010/main" val="435814466"/>
+      </p:ext>
+    </p:extLst>
+  </p:cSld>
+  <p:clrMapOvr>
+    <a:masterClrMapping/>
+  </p:clrMapOvr>
+</p:sld>
+</file>
+
+<file path=ppt/slides/slide16.xml><?xml version="1.0" encoding="utf-8"?>
+<p:sld xmlns:a="http://schemas.openxmlformats.org/drawingml/2006/main" xmlns:r="http://schemas.openxmlformats.org/officeDocument/2006/relationships" xmlns:p="http://schemas.openxmlformats.org/presentationml/2006/main">
+  <p:cSld>
+    <p:spTree>
+      <p:nvGrpSpPr>
+        <p:cNvPr id="1" name=""/>
+        <p:cNvGrpSpPr/>
+        <p:nvPr/>
+      </p:nvGrpSpPr>
+      <p:grpSpPr>
+        <a:xfrm>
+          <a:off x="0" y="0"/>
+          <a:ext cx="0" cy="0"/>
+          <a:chOff x="0" y="0"/>
+          <a:chExt cx="0" cy="0"/>
+        </a:xfrm>
+      </p:grpSpPr>
+      <p:sp>
+        <p:nvSpPr>
+          <p:cNvPr id="2" name="标题 1">
+            <a:extLst>
+              <a:ext uri="{FF2B5EF4-FFF2-40B4-BE49-F238E27FC236}">
+                <a16:creationId xmlns:a16="http://schemas.microsoft.com/office/drawing/2014/main" id="{F96F75DE-8A44-4EC5-83C6-95BDDF10DFD9}"/>
+              </a:ext>
+            </a:extLst>
+          </p:cNvPr>
+          <p:cNvSpPr>
+            <a:spLocks noGrp="1"/>
+          </p:cNvSpPr>
+          <p:nvPr>
+            <p:ph type="title"/>
+          </p:nvPr>
+        </p:nvSpPr>
+        <p:spPr>
+          <a:xfrm>
+            <a:off x="552350" y="324197"/>
+            <a:ext cx="10187694" cy="908541"/>
+          </a:xfrm>
+        </p:spPr>
+        <p:txBody>
+          <a:bodyPr rtlCol="0"/>
+          <a:lstStyle/>
+          <a:p>
+            <a:pPr rtl="0"/>
+            <a:r>
+              <a:rPr lang="en-US" altLang="ja-JP" dirty="0"/>
+              <a:t>1.</a:t>
+            </a:r>
+            <a:r>
+              <a:rPr lang="en-US" altLang="zh-CN" dirty="0"/>
+              <a:t> NTP</a:t>
+            </a:r>
+            <a:r>
+              <a:rPr lang="ja-JP" altLang="en-US" dirty="0"/>
+              <a:t>サーバーの作成</a:t>
+            </a:r>
+            <a:r>
+              <a:rPr lang="en-US" altLang="ja-JP" sz="2000" dirty="0"/>
+              <a:t>-NTP</a:t>
+            </a:r>
+            <a:r>
+              <a:rPr lang="ja-JP" altLang="en-US" sz="2000" dirty="0"/>
+              <a:t>サーバーのインストール</a:t>
+            </a:r>
+            <a:endParaRPr lang="zh-CN" altLang="en-US" dirty="0"/>
+          </a:p>
+        </p:txBody>
+      </p:sp>
+      <p:sp>
+        <p:nvSpPr>
+          <p:cNvPr id="6" name="幻灯片编号占位符 5">
+            <a:extLst>
+              <a:ext uri="{FF2B5EF4-FFF2-40B4-BE49-F238E27FC236}">
+                <a16:creationId xmlns:a16="http://schemas.microsoft.com/office/drawing/2014/main" id="{50B6C709-8794-DF4E-A15C-6E648F09DD12}"/>
+              </a:ext>
+            </a:extLst>
+          </p:cNvPr>
+          <p:cNvSpPr>
+            <a:spLocks noGrp="1"/>
+          </p:cNvSpPr>
+          <p:nvPr>
+            <p:ph type="sldNum" sz="quarter" idx="4"/>
+          </p:nvPr>
+        </p:nvSpPr>
+        <p:spPr/>
+        <p:txBody>
+          <a:bodyPr rtlCol="0"/>
+          <a:lstStyle/>
+          <a:p>
+            <a:pPr rtl="0"/>
+            <a:fld id="{294A09A9-5501-47C1-A89A-A340965A2BE2}" type="slidenum">
+              <a:rPr lang="en-US" altLang="zh-CN" smtClean="0"/>
+              <a:pPr rtl="0"/>
+              <a:t>16</a:t>
+            </a:fld>
+            <a:endParaRPr lang="zh-CN" altLang="en-US"/>
+          </a:p>
+        </p:txBody>
+      </p:sp>
+      <p:pic>
+        <p:nvPicPr>
+          <p:cNvPr id="5" name="图片 4">
+            <a:extLst>
+              <a:ext uri="{FF2B5EF4-FFF2-40B4-BE49-F238E27FC236}">
+                <a16:creationId xmlns:a16="http://schemas.microsoft.com/office/drawing/2014/main" id="{02716EB6-C796-470C-85A2-4E8F00B2B3B9}"/>
+              </a:ext>
+            </a:extLst>
+          </p:cNvPr>
+          <p:cNvPicPr>
+            <a:picLocks noChangeAspect="1"/>
+          </p:cNvPicPr>
+          <p:nvPr/>
+        </p:nvPicPr>
+        <p:blipFill>
+          <a:blip r:embed="rId3"/>
+          <a:stretch>
+            <a:fillRect/>
+          </a:stretch>
+        </p:blipFill>
+        <p:spPr>
+          <a:xfrm>
+            <a:off x="552350" y="1232738"/>
+            <a:ext cx="5865075" cy="4956293"/>
+          </a:xfrm>
+          <a:prstGeom prst="rect">
+            <a:avLst/>
+          </a:prstGeom>
+        </p:spPr>
+      </p:pic>
+      <p:sp>
+        <p:nvSpPr>
+          <p:cNvPr id="14" name="矩形 13">
+            <a:extLst>
+              <a:ext uri="{FF2B5EF4-FFF2-40B4-BE49-F238E27FC236}">
+                <a16:creationId xmlns:a16="http://schemas.microsoft.com/office/drawing/2014/main" id="{70C97DED-B5A5-434D-A7E1-1346DCF98F27}"/>
+              </a:ext>
+            </a:extLst>
+          </p:cNvPr>
+          <p:cNvSpPr/>
+          <p:nvPr/>
+        </p:nvSpPr>
+        <p:spPr>
+          <a:xfrm>
+            <a:off x="469159" y="4904509"/>
+            <a:ext cx="3363008" cy="806335"/>
+          </a:xfrm>
+          <a:prstGeom prst="rect">
+            <a:avLst/>
+          </a:prstGeom>
+          <a:noFill/>
+          <a:ln w="28575">
+            <a:solidFill>
+              <a:srgbClr val="FF0000"/>
+            </a:solidFill>
+          </a:ln>
+        </p:spPr>
+        <p:style>
+          <a:lnRef idx="2">
+            <a:schemeClr val="accent1">
+              <a:shade val="50000"/>
+            </a:schemeClr>
+          </a:lnRef>
+          <a:fillRef idx="1">
+            <a:schemeClr val="accent1"/>
+          </a:fillRef>
+          <a:effectRef idx="0">
+            <a:schemeClr val="accent1"/>
+          </a:effectRef>
+          <a:fontRef idx="minor">
+            <a:schemeClr val="lt1"/>
+          </a:fontRef>
+        </p:style>
+        <p:txBody>
+          <a:bodyPr rtlCol="0" anchor="t"/>
+          <a:lstStyle>
+            <a:lvl1pPr marL="0" indent="0">
+              <a:defRPr sz="1100">
+                <a:solidFill>
+                  <a:schemeClr val="lt1"/>
+                </a:solidFill>
+                <a:latin typeface="+mn-lt"/>
+                <a:ea typeface="+mn-ea"/>
+                <a:cs typeface="+mn-cs"/>
+              </a:defRPr>
+            </a:lvl1pPr>
+            <a:lvl2pPr marL="457200" indent="0">
+              <a:defRPr sz="1100">
+                <a:solidFill>
+                  <a:schemeClr val="lt1"/>
+                </a:solidFill>
+                <a:latin typeface="+mn-lt"/>
+                <a:ea typeface="+mn-ea"/>
+                <a:cs typeface="+mn-cs"/>
+              </a:defRPr>
+            </a:lvl2pPr>
+            <a:lvl3pPr marL="914400" indent="0">
+              <a:defRPr sz="1100">
+                <a:solidFill>
+                  <a:schemeClr val="lt1"/>
+                </a:solidFill>
+                <a:latin typeface="+mn-lt"/>
+                <a:ea typeface="+mn-ea"/>
+                <a:cs typeface="+mn-cs"/>
+              </a:defRPr>
+            </a:lvl3pPr>
+            <a:lvl4pPr marL="1371600" indent="0">
+              <a:defRPr sz="1100">
+                <a:solidFill>
+                  <a:schemeClr val="lt1"/>
+                </a:solidFill>
+                <a:latin typeface="+mn-lt"/>
+                <a:ea typeface="+mn-ea"/>
+                <a:cs typeface="+mn-cs"/>
+              </a:defRPr>
+            </a:lvl4pPr>
+            <a:lvl5pPr marL="1828800" indent="0">
+              <a:defRPr sz="1100">
+                <a:solidFill>
+                  <a:schemeClr val="lt1"/>
+                </a:solidFill>
+                <a:latin typeface="+mn-lt"/>
+                <a:ea typeface="+mn-ea"/>
+                <a:cs typeface="+mn-cs"/>
+              </a:defRPr>
+            </a:lvl5pPr>
+            <a:lvl6pPr marL="2286000" indent="0">
+              <a:defRPr sz="1100">
+                <a:solidFill>
+                  <a:schemeClr val="lt1"/>
+                </a:solidFill>
+                <a:latin typeface="+mn-lt"/>
+                <a:ea typeface="+mn-ea"/>
+                <a:cs typeface="+mn-cs"/>
+              </a:defRPr>
+            </a:lvl6pPr>
+            <a:lvl7pPr marL="2743200" indent="0">
+              <a:defRPr sz="1100">
+                <a:solidFill>
+                  <a:schemeClr val="lt1"/>
+                </a:solidFill>
+                <a:latin typeface="+mn-lt"/>
+                <a:ea typeface="+mn-ea"/>
+                <a:cs typeface="+mn-cs"/>
+              </a:defRPr>
+            </a:lvl7pPr>
+            <a:lvl8pPr marL="3200400" indent="0">
+              <a:defRPr sz="1100">
+                <a:solidFill>
+                  <a:schemeClr val="lt1"/>
+                </a:solidFill>
+                <a:latin typeface="+mn-lt"/>
+                <a:ea typeface="+mn-ea"/>
+                <a:cs typeface="+mn-cs"/>
+              </a:defRPr>
+            </a:lvl8pPr>
+            <a:lvl9pPr marL="3657600" indent="0">
+              <a:defRPr sz="1100">
+                <a:solidFill>
+                  <a:schemeClr val="lt1"/>
+                </a:solidFill>
+                <a:latin typeface="+mn-lt"/>
+                <a:ea typeface="+mn-ea"/>
+                <a:cs typeface="+mn-cs"/>
+              </a:defRPr>
+            </a:lvl9pPr>
+          </a:lstStyle>
+          <a:p>
+            <a:pPr algn="l"/>
+            <a:endParaRPr lang="zh-CN" altLang="en-US" sz="1100"/>
+          </a:p>
+        </p:txBody>
+      </p:sp>
+      <p:sp>
+        <p:nvSpPr>
+          <p:cNvPr id="16" name="文本框 15">
+            <a:extLst>
+              <a:ext uri="{FF2B5EF4-FFF2-40B4-BE49-F238E27FC236}">
+                <a16:creationId xmlns:a16="http://schemas.microsoft.com/office/drawing/2014/main" id="{C7BC5A35-DEBD-4C0A-A810-44937C179462}"/>
+              </a:ext>
+            </a:extLst>
+          </p:cNvPr>
+          <p:cNvSpPr txBox="1"/>
+          <p:nvPr/>
+        </p:nvSpPr>
+        <p:spPr>
+          <a:xfrm>
+            <a:off x="7410349" y="4115960"/>
+            <a:ext cx="3412821" cy="738664"/>
+          </a:xfrm>
+          <a:prstGeom prst="rect">
+            <a:avLst/>
+          </a:prstGeom>
+          <a:noFill/>
+        </p:spPr>
+        <p:txBody>
+          <a:bodyPr wrap="square" rtlCol="0">
+            <a:spAutoFit/>
+          </a:bodyPr>
+          <a:lstStyle/>
+          <a:p>
+            <a:r>
+              <a:rPr lang="ja-JP" altLang="en-US" sz="1400" dirty="0">
+                <a:solidFill>
+                  <a:srgbClr val="FF0000"/>
+                </a:solidFill>
+              </a:rPr>
+              <a:t>＊</a:t>
+            </a:r>
+            <a:r>
+              <a:rPr lang="en-US" altLang="ja-JP" sz="1400" dirty="0">
+                <a:solidFill>
+                  <a:srgbClr val="FF0000"/>
+                </a:solidFill>
+              </a:rPr>
+              <a:t>server 127.127.1.0</a:t>
+            </a:r>
+          </a:p>
+          <a:p>
+            <a:r>
+              <a:rPr lang="ja-JP" altLang="en-US" sz="1400" dirty="0">
+                <a:solidFill>
+                  <a:srgbClr val="FF0000"/>
+                </a:solidFill>
+              </a:rPr>
+              <a:t>＊</a:t>
+            </a:r>
+            <a:r>
+              <a:rPr lang="en-US" altLang="ja-JP" sz="1400" dirty="0">
+                <a:solidFill>
+                  <a:srgbClr val="FF0000"/>
+                </a:solidFill>
+              </a:rPr>
+              <a:t>Ubuntu</a:t>
+            </a:r>
+            <a:r>
+              <a:rPr lang="ja-JP" altLang="en-US" sz="1400" dirty="0">
+                <a:solidFill>
+                  <a:srgbClr val="FF0000"/>
+                </a:solidFill>
+              </a:rPr>
+              <a:t> </a:t>
+            </a:r>
+            <a:r>
+              <a:rPr lang="en-US" altLang="ja-JP" sz="1400" dirty="0">
+                <a:solidFill>
+                  <a:srgbClr val="FF0000"/>
+                </a:solidFill>
+              </a:rPr>
+              <a:t>VM</a:t>
+            </a:r>
+            <a:r>
+              <a:rPr lang="ja-JP" altLang="en-US" sz="1400" dirty="0">
+                <a:solidFill>
+                  <a:srgbClr val="FF0000"/>
+                </a:solidFill>
+              </a:rPr>
+              <a:t>時間修正時、他の</a:t>
+            </a:r>
+            <a:r>
+              <a:rPr lang="en-US" altLang="ja-JP" sz="1400" dirty="0">
+                <a:solidFill>
+                  <a:srgbClr val="FF0000"/>
+                </a:solidFill>
+              </a:rPr>
+              <a:t>NTP</a:t>
+            </a:r>
+            <a:r>
+              <a:rPr lang="ja-JP" altLang="en-US" sz="1400" dirty="0">
+                <a:solidFill>
+                  <a:srgbClr val="FF0000"/>
+                </a:solidFill>
+              </a:rPr>
+              <a:t> </a:t>
+            </a:r>
+            <a:r>
+              <a:rPr lang="en-US" altLang="ja-JP" sz="1400" dirty="0">
+                <a:solidFill>
+                  <a:srgbClr val="FF0000"/>
+                </a:solidFill>
+              </a:rPr>
+              <a:t>pool</a:t>
+            </a:r>
+            <a:r>
+              <a:rPr lang="ja-JP" altLang="en-US" sz="1400" dirty="0">
+                <a:solidFill>
+                  <a:srgbClr val="FF0000"/>
+                </a:solidFill>
+              </a:rPr>
+              <a:t>の参照を削除した</a:t>
+            </a:r>
+            <a:endParaRPr lang="zh-CN" altLang="en-US" sz="1400" dirty="0">
+              <a:solidFill>
+                <a:srgbClr val="FF0000"/>
+              </a:solidFill>
+            </a:endParaRPr>
+          </a:p>
+        </p:txBody>
+      </p:sp>
+      <p:sp>
+        <p:nvSpPr>
+          <p:cNvPr id="17" name="文本框 16">
+            <a:extLst>
+              <a:ext uri="{FF2B5EF4-FFF2-40B4-BE49-F238E27FC236}">
+                <a16:creationId xmlns:a16="http://schemas.microsoft.com/office/drawing/2014/main" id="{B3BA23A6-6C9B-43D9-8E23-5A4ABBC3E968}"/>
+              </a:ext>
+            </a:extLst>
+          </p:cNvPr>
+          <p:cNvSpPr txBox="1"/>
+          <p:nvPr/>
+        </p:nvSpPr>
+        <p:spPr>
+          <a:xfrm>
+            <a:off x="7410350" y="4854624"/>
+            <a:ext cx="3329694" cy="738664"/>
+          </a:xfrm>
+          <a:prstGeom prst="rect">
+            <a:avLst/>
+          </a:prstGeom>
+          <a:noFill/>
+        </p:spPr>
+        <p:txBody>
+          <a:bodyPr wrap="square" rtlCol="0">
+            <a:spAutoFit/>
+          </a:bodyPr>
+          <a:lstStyle/>
+          <a:p>
+            <a:r>
+              <a:rPr lang="ja-JP" altLang="en-US" sz="1400" dirty="0">
+                <a:solidFill>
+                  <a:srgbClr val="FF0000"/>
+                </a:solidFill>
+              </a:rPr>
+              <a:t>＊</a:t>
+            </a:r>
+            <a:r>
+              <a:rPr lang="en-US" altLang="ja-JP" sz="1400" dirty="0">
+                <a:solidFill>
+                  <a:srgbClr val="FF0000"/>
+                </a:solidFill>
+              </a:rPr>
+              <a:t>Ubuntu </a:t>
+            </a:r>
+            <a:r>
+              <a:rPr lang="en-US" altLang="zh-CN" sz="1400" dirty="0">
+                <a:solidFill>
+                  <a:srgbClr val="FF0000"/>
+                </a:solidFill>
+              </a:rPr>
+              <a:t>VM</a:t>
+            </a:r>
+            <a:r>
+              <a:rPr lang="ja-JP" altLang="en-US" sz="1400" dirty="0">
+                <a:solidFill>
+                  <a:srgbClr val="FF0000"/>
+                </a:solidFill>
+              </a:rPr>
+              <a:t>の時間を修正したが、</a:t>
+            </a:r>
+            <a:r>
+              <a:rPr lang="en-US" altLang="ja-JP" sz="1400" dirty="0">
+                <a:solidFill>
+                  <a:srgbClr val="FF0000"/>
+                </a:solidFill>
+              </a:rPr>
+              <a:t>Windows</a:t>
+            </a:r>
+            <a:r>
+              <a:rPr lang="ja-JP" altLang="en-US" sz="1400" dirty="0">
+                <a:solidFill>
+                  <a:srgbClr val="FF0000"/>
+                </a:solidFill>
+              </a:rPr>
+              <a:t> </a:t>
+            </a:r>
+            <a:r>
+              <a:rPr lang="en-US" altLang="ja-JP" sz="1400" dirty="0">
+                <a:solidFill>
+                  <a:srgbClr val="FF0000"/>
+                </a:solidFill>
+              </a:rPr>
+              <a:t>Server</a:t>
+            </a:r>
+            <a:r>
+              <a:rPr lang="ja-JP" altLang="en-US" sz="1400" dirty="0">
+                <a:solidFill>
+                  <a:srgbClr val="FF0000"/>
+                </a:solidFill>
+              </a:rPr>
+              <a:t>取得の時間は修正後の時間ではなかった。</a:t>
+            </a:r>
+            <a:endParaRPr lang="en-US" altLang="ja-JP" sz="1400" dirty="0">
+              <a:solidFill>
+                <a:srgbClr val="FF0000"/>
+              </a:solidFill>
+            </a:endParaRPr>
+          </a:p>
+        </p:txBody>
+      </p:sp>
+    </p:spTree>
+    <p:extLst>
+      <p:ext uri="{BB962C8B-B14F-4D97-AF65-F5344CB8AC3E}">
+        <p14:creationId xmlns:p14="http://schemas.microsoft.com/office/powerpoint/2010/main" val="2542667883"/>
+      </p:ext>
+    </p:extLst>
+  </p:cSld>
+  <p:clrMapOvr>
+    <a:masterClrMapping/>
+  </p:clrMapOvr>
+</p:sld>
+</file>
+
+<file path=ppt/slides/slide17.xml><?xml version="1.0" encoding="utf-8"?>
+<p:sld xmlns:a="http://schemas.openxmlformats.org/drawingml/2006/main" xmlns:r="http://schemas.openxmlformats.org/officeDocument/2006/relationships" xmlns:p="http://schemas.openxmlformats.org/presentationml/2006/main">
+  <p:cSld>
+    <p:spTree>
+      <p:nvGrpSpPr>
+        <p:cNvPr id="1" name=""/>
+        <p:cNvGrpSpPr/>
+        <p:nvPr/>
+      </p:nvGrpSpPr>
+      <p:grpSpPr>
+        <a:xfrm>
+          <a:off x="0" y="0"/>
+          <a:ext cx="0" cy="0"/>
+          <a:chOff x="0" y="0"/>
+          <a:chExt cx="0" cy="0"/>
+        </a:xfrm>
+      </p:grpSpPr>
+      <p:sp>
+        <p:nvSpPr>
+          <p:cNvPr id="2" name="标题 1">
+            <a:extLst>
+              <a:ext uri="{FF2B5EF4-FFF2-40B4-BE49-F238E27FC236}">
+                <a16:creationId xmlns:a16="http://schemas.microsoft.com/office/drawing/2014/main" id="{F96F75DE-8A44-4EC5-83C6-95BDDF10DFD9}"/>
+              </a:ext>
+            </a:extLst>
+          </p:cNvPr>
+          <p:cNvSpPr>
+            <a:spLocks noGrp="1"/>
+          </p:cNvSpPr>
+          <p:nvPr>
+            <p:ph type="title"/>
+          </p:nvPr>
+        </p:nvSpPr>
+        <p:spPr>
+          <a:xfrm>
+            <a:off x="552350" y="324197"/>
+            <a:ext cx="10187694" cy="908541"/>
+          </a:xfrm>
+        </p:spPr>
+        <p:txBody>
+          <a:bodyPr rtlCol="0"/>
+          <a:lstStyle/>
+          <a:p>
+            <a:pPr rtl="0"/>
+            <a:r>
+              <a:rPr lang="en-US" altLang="ja-JP" dirty="0"/>
+              <a:t>1.</a:t>
+            </a:r>
+            <a:r>
+              <a:rPr lang="en-US" altLang="zh-CN" dirty="0"/>
+              <a:t> NTP</a:t>
+            </a:r>
+            <a:r>
+              <a:rPr lang="ja-JP" altLang="en-US" dirty="0"/>
+              <a:t>サーバーの作成</a:t>
+            </a:r>
+            <a:r>
+              <a:rPr lang="en-US" altLang="ja-JP" sz="2000" dirty="0"/>
+              <a:t>-NTP</a:t>
+            </a:r>
+            <a:r>
+              <a:rPr lang="ja-JP" altLang="en-US" sz="2000" dirty="0"/>
+              <a:t>サーバーのインストール</a:t>
+            </a:r>
+            <a:endParaRPr lang="zh-CN" altLang="en-US" dirty="0"/>
+          </a:p>
+        </p:txBody>
+      </p:sp>
+      <p:sp>
+        <p:nvSpPr>
+          <p:cNvPr id="6" name="幻灯片编号占位符 5">
+            <a:extLst>
+              <a:ext uri="{FF2B5EF4-FFF2-40B4-BE49-F238E27FC236}">
+                <a16:creationId xmlns:a16="http://schemas.microsoft.com/office/drawing/2014/main" id="{50B6C709-8794-DF4E-A15C-6E648F09DD12}"/>
+              </a:ext>
+            </a:extLst>
+          </p:cNvPr>
+          <p:cNvSpPr>
+            <a:spLocks noGrp="1"/>
+          </p:cNvSpPr>
+          <p:nvPr>
+            <p:ph type="sldNum" sz="quarter" idx="4"/>
+          </p:nvPr>
+        </p:nvSpPr>
+        <p:spPr/>
+        <p:txBody>
+          <a:bodyPr rtlCol="0"/>
+          <a:lstStyle/>
+          <a:p>
+            <a:pPr rtl="0"/>
+            <a:fld id="{294A09A9-5501-47C1-A89A-A340965A2BE2}" type="slidenum">
+              <a:rPr lang="en-US" altLang="zh-CN" smtClean="0"/>
+              <a:pPr rtl="0"/>
+              <a:t>17</a:t>
             </a:fld>
             <a:endParaRPr lang="zh-CN" altLang="en-US"/>
           </a:p>
@@ -18513,7 +19921,7 @@
 </p:sld>
 </file>
 
-<file path=ppt/slides/slide16.xml><?xml version="1.0" encoding="utf-8"?>
+<file path=ppt/slides/slide18.xml><?xml version="1.0" encoding="utf-8"?>
 <p:sld xmlns:a="http://schemas.openxmlformats.org/drawingml/2006/main" xmlns:r="http://schemas.openxmlformats.org/officeDocument/2006/relationships" xmlns:p="http://schemas.openxmlformats.org/presentationml/2006/main">
   <p:cSld>
     <p:spTree>
@@ -18606,7 +20014,7 @@
             <a:fld id="{294A09A9-5501-47C1-A89A-A340965A2BE2}" type="slidenum">
               <a:rPr lang="en-US" altLang="zh-CN" smtClean="0"/>
               <a:pPr rtl="0"/>
-              <a:t>16</a:t>
+              <a:t>18</a:t>
             </a:fld>
             <a:endParaRPr lang="zh-CN" altLang="en-US"/>
           </a:p>
@@ -18842,7 +20250,7 @@
 </p:sld>
 </file>
 
-<file path=ppt/slides/slide17.xml><?xml version="1.0" encoding="utf-8"?>
+<file path=ppt/slides/slide19.xml><?xml version="1.0" encoding="utf-8"?>
 <p:sld xmlns:a="http://schemas.openxmlformats.org/drawingml/2006/main" xmlns:r="http://schemas.openxmlformats.org/officeDocument/2006/relationships" xmlns:p="http://schemas.openxmlformats.org/presentationml/2006/main">
   <p:cSld>
     <p:spTree>
@@ -18935,7 +20343,7 @@
             <a:fld id="{294A09A9-5501-47C1-A89A-A340965A2BE2}" type="slidenum">
               <a:rPr lang="en-US" altLang="zh-CN" smtClean="0"/>
               <a:pPr rtl="0"/>
-              <a:t>17</a:t>
+              <a:t>19</a:t>
             </a:fld>
             <a:endParaRPr lang="zh-CN" altLang="en-US"/>
           </a:p>
@@ -19171,7 +20579,7 @@
 </p:sld>
 </file>
 
-<file path=ppt/slides/slide18.xml><?xml version="1.0" encoding="utf-8"?>
+<file path=ppt/slides/slide2.xml><?xml version="1.0" encoding="utf-8"?>
 <p:sld xmlns:a="http://schemas.openxmlformats.org/drawingml/2006/main" xmlns:r="http://schemas.openxmlformats.org/officeDocument/2006/relationships" xmlns:p="http://schemas.openxmlformats.org/presentationml/2006/main">
   <p:cSld>
     <p:spTree>
@@ -19190,10 +20598,10 @@
       </p:grpSpPr>
       <p:sp>
         <p:nvSpPr>
-          <p:cNvPr id="3" name="副标题 2">
-            <a:extLst>
-              <a:ext uri="{FF2B5EF4-FFF2-40B4-BE49-F238E27FC236}">
-                <a16:creationId xmlns:a16="http://schemas.microsoft.com/office/drawing/2014/main" id="{A068D447-28D3-4F5F-B2DC-FD67E9015868}"/>
+          <p:cNvPr id="2" name="标题 1">
+            <a:extLst>
+              <a:ext uri="{FF2B5EF4-FFF2-40B4-BE49-F238E27FC236}">
+                <a16:creationId xmlns:a16="http://schemas.microsoft.com/office/drawing/2014/main" id="{912DF434-28DB-4621-A497-D62C41CE0419}"/>
               </a:ext>
             </a:extLst>
           </p:cNvPr>
@@ -19201,13 +20609,13 @@
             <a:spLocks noGrp="1"/>
           </p:cNvSpPr>
           <p:nvPr>
-            <p:ph type="subTitle" idx="1"/>
+            <p:ph type="title"/>
           </p:nvPr>
         </p:nvSpPr>
         <p:spPr>
           <a:xfrm>
-            <a:off x="743544" y="2622325"/>
-            <a:ext cx="9500507" cy="1567290"/>
+            <a:off x="1167492" y="381000"/>
+            <a:ext cx="9779183" cy="1325563"/>
           </a:xfrm>
         </p:spPr>
         <p:txBody>
@@ -19216,24 +20624,130 @@
           <a:p>
             <a:pPr rtl="0"/>
             <a:r>
-              <a:rPr lang="en-US" altLang="zh-CN" sz="4800" dirty="0"/>
+              <a:rPr lang="ja-JP" altLang="en-US" dirty="0"/>
+              <a:t>コンテンツ</a:t>
+            </a:r>
+            <a:endParaRPr lang="zh-CN" altLang="en-US" dirty="0"/>
+          </a:p>
+        </p:txBody>
+      </p:sp>
+      <p:sp>
+        <p:nvSpPr>
+          <p:cNvPr id="3" name="内容占位符 2">
+            <a:extLst>
+              <a:ext uri="{FF2B5EF4-FFF2-40B4-BE49-F238E27FC236}">
+                <a16:creationId xmlns:a16="http://schemas.microsoft.com/office/drawing/2014/main" id="{22788C46-D0BC-4307-AE55-7601A139E7CB}"/>
+              </a:ext>
+            </a:extLst>
+          </p:cNvPr>
+          <p:cNvSpPr>
+            <a:spLocks noGrp="1"/>
+          </p:cNvSpPr>
+          <p:nvPr>
+            <p:ph idx="1"/>
+          </p:nvPr>
+        </p:nvSpPr>
+        <p:spPr>
+          <a:xfrm>
+            <a:off x="1167493" y="2017467"/>
+            <a:ext cx="9779182" cy="3366815"/>
+          </a:xfrm>
+        </p:spPr>
+        <p:txBody>
+          <a:bodyPr vert="horz" lIns="91440" tIns="45720" rIns="91440" bIns="45720" rtlCol="0" anchor="t">
+            <a:normAutofit/>
+          </a:bodyPr>
+          <a:lstStyle/>
+          <a:p>
+            <a:pPr rtl="0"/>
+            <a:r>
+              <a:rPr lang="en-US" altLang="zh-CN" dirty="0"/>
+              <a:t>1. NTP</a:t>
+            </a:r>
+            <a:r>
+              <a:rPr lang="ja-JP" altLang="en-US" dirty="0"/>
+              <a:t>サーバーの作成</a:t>
+            </a:r>
+            <a:endParaRPr lang="en-US" altLang="zh-CN" dirty="0"/>
+          </a:p>
+          <a:p>
+            <a:pPr rtl="0"/>
+            <a:r>
+              <a:rPr lang="en-US" altLang="zh-CN" dirty="0"/>
               <a:t>2. Windows Server</a:t>
             </a:r>
+            <a:r>
+              <a:rPr lang="ja-JP" altLang="en-US" dirty="0"/>
+              <a:t>タイムサーバーの設定</a:t>
+            </a:r>
+            <a:endParaRPr lang="zh-CN" altLang="en-US" dirty="0"/>
           </a:p>
           <a:p>
             <a:pPr rtl="0"/>
             <a:r>
-              <a:rPr lang="ja-JP" altLang="en-US" sz="4800" dirty="0"/>
-              <a:t>タイムサーバーの設定</a:t>
-            </a:r>
-            <a:endParaRPr lang="en-US" altLang="zh-CN" sz="5400" dirty="0"/>
+              <a:rPr lang="en-US" altLang="zh-CN" dirty="0"/>
+              <a:t>3. </a:t>
+            </a:r>
+            <a:r>
+              <a:rPr lang="ja-JP" altLang="en-US" dirty="0"/>
+              <a:t>結果確認</a:t>
+            </a:r>
+            <a:endParaRPr lang="en-US" altLang="zh-CN" dirty="0"/>
+          </a:p>
+          <a:p>
+            <a:pPr rtl="0"/>
+            <a:r>
+              <a:rPr lang="ja-JP" altLang="en-US" dirty="0"/>
+              <a:t>＊タイムゾーンの設定</a:t>
+            </a:r>
+            <a:endParaRPr lang="zh-CN" altLang="en-US" dirty="0"/>
+          </a:p>
+          <a:p>
+            <a:pPr rtl="0"/>
+            <a:endParaRPr lang="zh-CN" altLang="en-US" dirty="0"/>
+          </a:p>
+        </p:txBody>
+      </p:sp>
+      <p:sp>
+        <p:nvSpPr>
+          <p:cNvPr id="6" name="幻灯片编号占位符 5">
+            <a:extLst>
+              <a:ext uri="{FF2B5EF4-FFF2-40B4-BE49-F238E27FC236}">
+                <a16:creationId xmlns:a16="http://schemas.microsoft.com/office/drawing/2014/main" id="{60D470D0-6D64-5E42-9515-048F8779CD5E}"/>
+              </a:ext>
+            </a:extLst>
+          </p:cNvPr>
+          <p:cNvSpPr>
+            <a:spLocks noGrp="1"/>
+          </p:cNvSpPr>
+          <p:nvPr>
+            <p:ph type="sldNum" sz="quarter" idx="4"/>
+          </p:nvPr>
+        </p:nvSpPr>
+        <p:spPr>
+          <a:xfrm>
+            <a:off x="10153276" y="6356350"/>
+            <a:ext cx="1657723" cy="365125"/>
+          </a:xfrm>
+        </p:spPr>
+        <p:txBody>
+          <a:bodyPr rtlCol="0"/>
+          <a:lstStyle/>
+          <a:p>
+            <a:pPr rtl="0"/>
+            <a:fld id="{294A09A9-5501-47C1-A89A-A340965A2BE2}" type="slidenum">
+              <a:rPr lang="en-US" altLang="zh-CN" smtClean="0"/>
+              <a:pPr/>
+              <a:t>2</a:t>
+            </a:fld>
+            <a:endParaRPr lang="zh-CN" altLang="en-US"/>
           </a:p>
         </p:txBody>
       </p:sp>
     </p:spTree>
     <p:extLst>
       <p:ext uri="{BB962C8B-B14F-4D97-AF65-F5344CB8AC3E}">
-        <p14:creationId xmlns:p14="http://schemas.microsoft.com/office/powerpoint/2010/main" val="293851395"/>
+        <p14:creationId xmlns:p14="http://schemas.microsoft.com/office/powerpoint/2010/main" val="1325608595"/>
       </p:ext>
     </p:extLst>
   </p:cSld>
@@ -19243,7 +20757,7 @@
 </p:sld>
 </file>
 
-<file path=ppt/slides/slide19.xml><?xml version="1.0" encoding="utf-8"?>
+<file path=ppt/slides/slide20.xml><?xml version="1.0" encoding="utf-8"?>
 <p:sld xmlns:a="http://schemas.openxmlformats.org/drawingml/2006/main" xmlns:r="http://schemas.openxmlformats.org/officeDocument/2006/relationships" xmlns:p="http://schemas.openxmlformats.org/presentationml/2006/main">
   <p:cSld>
     <p:spTree>
@@ -19262,6 +20776,78 @@
       </p:grpSpPr>
       <p:sp>
         <p:nvSpPr>
+          <p:cNvPr id="3" name="副标题 2">
+            <a:extLst>
+              <a:ext uri="{FF2B5EF4-FFF2-40B4-BE49-F238E27FC236}">
+                <a16:creationId xmlns:a16="http://schemas.microsoft.com/office/drawing/2014/main" id="{A068D447-28D3-4F5F-B2DC-FD67E9015868}"/>
+              </a:ext>
+            </a:extLst>
+          </p:cNvPr>
+          <p:cNvSpPr>
+            <a:spLocks noGrp="1"/>
+          </p:cNvSpPr>
+          <p:nvPr>
+            <p:ph type="subTitle" idx="1"/>
+          </p:nvPr>
+        </p:nvSpPr>
+        <p:spPr>
+          <a:xfrm>
+            <a:off x="743544" y="2622325"/>
+            <a:ext cx="9500507" cy="1567290"/>
+          </a:xfrm>
+        </p:spPr>
+        <p:txBody>
+          <a:bodyPr rtlCol="0"/>
+          <a:lstStyle/>
+          <a:p>
+            <a:pPr rtl="0"/>
+            <a:r>
+              <a:rPr lang="en-US" altLang="zh-CN" sz="4800" dirty="0"/>
+              <a:t>2. Windows Server</a:t>
+            </a:r>
+          </a:p>
+          <a:p>
+            <a:pPr rtl="0"/>
+            <a:r>
+              <a:rPr lang="ja-JP" altLang="en-US" sz="4800" dirty="0"/>
+              <a:t>タイムサーバーの設定</a:t>
+            </a:r>
+            <a:endParaRPr lang="en-US" altLang="zh-CN" sz="5400" dirty="0"/>
+          </a:p>
+        </p:txBody>
+      </p:sp>
+    </p:spTree>
+    <p:extLst>
+      <p:ext uri="{BB962C8B-B14F-4D97-AF65-F5344CB8AC3E}">
+        <p14:creationId xmlns:p14="http://schemas.microsoft.com/office/powerpoint/2010/main" val="293851395"/>
+      </p:ext>
+    </p:extLst>
+  </p:cSld>
+  <p:clrMapOvr>
+    <a:masterClrMapping/>
+  </p:clrMapOvr>
+</p:sld>
+</file>
+
+<file path=ppt/slides/slide21.xml><?xml version="1.0" encoding="utf-8"?>
+<p:sld xmlns:a="http://schemas.openxmlformats.org/drawingml/2006/main" xmlns:r="http://schemas.openxmlformats.org/officeDocument/2006/relationships" xmlns:p="http://schemas.openxmlformats.org/presentationml/2006/main">
+  <p:cSld>
+    <p:spTree>
+      <p:nvGrpSpPr>
+        <p:cNvPr id="1" name=""/>
+        <p:cNvGrpSpPr/>
+        <p:nvPr/>
+      </p:nvGrpSpPr>
+      <p:grpSpPr>
+        <a:xfrm>
+          <a:off x="0" y="0"/>
+          <a:ext cx="0" cy="0"/>
+          <a:chOff x="0" y="0"/>
+          <a:chExt cx="0" cy="0"/>
+        </a:xfrm>
+      </p:grpSpPr>
+      <p:sp>
+        <p:nvSpPr>
           <p:cNvPr id="2" name="标题 1">
             <a:extLst>
               <a:ext uri="{FF2B5EF4-FFF2-40B4-BE49-F238E27FC236}">
@@ -19343,7 +20929,7 @@
             <a:fld id="{294A09A9-5501-47C1-A89A-A340965A2BE2}" type="slidenum">
               <a:rPr lang="en-US" altLang="zh-CN" smtClean="0"/>
               <a:pPr rtl="0"/>
-              <a:t>19</a:t>
+              <a:t>21</a:t>
             </a:fld>
             <a:endParaRPr lang="zh-CN" altLang="en-US"/>
           </a:p>
@@ -19392,7 +20978,7 @@
 </p:sld>
 </file>
 
-<file path=ppt/slides/slide2.xml><?xml version="1.0" encoding="utf-8"?>
+<file path=ppt/slides/slide22.xml><?xml version="1.0" encoding="utf-8"?>
 <p:sld xmlns:a="http://schemas.openxmlformats.org/drawingml/2006/main" xmlns:r="http://schemas.openxmlformats.org/officeDocument/2006/relationships" xmlns:p="http://schemas.openxmlformats.org/presentationml/2006/main">
   <p:cSld>
     <p:spTree>
@@ -19414,184 +21000,6 @@
           <p:cNvPr id="2" name="标题 1">
             <a:extLst>
               <a:ext uri="{FF2B5EF4-FFF2-40B4-BE49-F238E27FC236}">
-                <a16:creationId xmlns:a16="http://schemas.microsoft.com/office/drawing/2014/main" id="{912DF434-28DB-4621-A497-D62C41CE0419}"/>
-              </a:ext>
-            </a:extLst>
-          </p:cNvPr>
-          <p:cNvSpPr>
-            <a:spLocks noGrp="1"/>
-          </p:cNvSpPr>
-          <p:nvPr>
-            <p:ph type="title"/>
-          </p:nvPr>
-        </p:nvSpPr>
-        <p:spPr>
-          <a:xfrm>
-            <a:off x="1167492" y="381000"/>
-            <a:ext cx="9779183" cy="1325563"/>
-          </a:xfrm>
-        </p:spPr>
-        <p:txBody>
-          <a:bodyPr rtlCol="0"/>
-          <a:lstStyle/>
-          <a:p>
-            <a:pPr rtl="0"/>
-            <a:r>
-              <a:rPr lang="ja-JP" altLang="en-US" dirty="0"/>
-              <a:t>コンテンツ</a:t>
-            </a:r>
-            <a:endParaRPr lang="zh-CN" altLang="en-US" dirty="0"/>
-          </a:p>
-        </p:txBody>
-      </p:sp>
-      <p:sp>
-        <p:nvSpPr>
-          <p:cNvPr id="3" name="内容占位符 2">
-            <a:extLst>
-              <a:ext uri="{FF2B5EF4-FFF2-40B4-BE49-F238E27FC236}">
-                <a16:creationId xmlns:a16="http://schemas.microsoft.com/office/drawing/2014/main" id="{22788C46-D0BC-4307-AE55-7601A139E7CB}"/>
-              </a:ext>
-            </a:extLst>
-          </p:cNvPr>
-          <p:cNvSpPr>
-            <a:spLocks noGrp="1"/>
-          </p:cNvSpPr>
-          <p:nvPr>
-            <p:ph idx="1"/>
-          </p:nvPr>
-        </p:nvSpPr>
-        <p:spPr>
-          <a:xfrm>
-            <a:off x="1167493" y="2017467"/>
-            <a:ext cx="9779182" cy="3366815"/>
-          </a:xfrm>
-        </p:spPr>
-        <p:txBody>
-          <a:bodyPr vert="horz" lIns="91440" tIns="45720" rIns="91440" bIns="45720" rtlCol="0" anchor="t">
-            <a:normAutofit/>
-          </a:bodyPr>
-          <a:lstStyle/>
-          <a:p>
-            <a:pPr rtl="0"/>
-            <a:r>
-              <a:rPr lang="en-US" altLang="zh-CN" dirty="0"/>
-              <a:t>1. NTP</a:t>
-            </a:r>
-            <a:r>
-              <a:rPr lang="ja-JP" altLang="en-US" dirty="0"/>
-              <a:t>サーバーの作成</a:t>
-            </a:r>
-            <a:endParaRPr lang="en-US" altLang="zh-CN" dirty="0"/>
-          </a:p>
-          <a:p>
-            <a:pPr rtl="0"/>
-            <a:r>
-              <a:rPr lang="en-US" altLang="zh-CN" dirty="0"/>
-              <a:t>2. Windows Server</a:t>
-            </a:r>
-            <a:r>
-              <a:rPr lang="ja-JP" altLang="en-US" dirty="0"/>
-              <a:t>タイムサーバーの設定</a:t>
-            </a:r>
-            <a:endParaRPr lang="zh-CN" altLang="en-US" dirty="0"/>
-          </a:p>
-          <a:p>
-            <a:pPr rtl="0"/>
-            <a:r>
-              <a:rPr lang="en-US" altLang="zh-CN" dirty="0"/>
-              <a:t>3. </a:t>
-            </a:r>
-            <a:r>
-              <a:rPr lang="ja-JP" altLang="en-US" dirty="0"/>
-              <a:t>結果確認</a:t>
-            </a:r>
-            <a:endParaRPr lang="en-US" altLang="zh-CN" dirty="0"/>
-          </a:p>
-          <a:p>
-            <a:pPr rtl="0"/>
-            <a:r>
-              <a:rPr lang="ja-JP" altLang="en-US" dirty="0"/>
-              <a:t>＊タイムゾーンの設定</a:t>
-            </a:r>
-            <a:endParaRPr lang="zh-CN" altLang="en-US" dirty="0"/>
-          </a:p>
-          <a:p>
-            <a:pPr rtl="0"/>
-            <a:endParaRPr lang="zh-CN" altLang="en-US" dirty="0"/>
-          </a:p>
-        </p:txBody>
-      </p:sp>
-      <p:sp>
-        <p:nvSpPr>
-          <p:cNvPr id="6" name="幻灯片编号占位符 5">
-            <a:extLst>
-              <a:ext uri="{FF2B5EF4-FFF2-40B4-BE49-F238E27FC236}">
-                <a16:creationId xmlns:a16="http://schemas.microsoft.com/office/drawing/2014/main" id="{60D470D0-6D64-5E42-9515-048F8779CD5E}"/>
-              </a:ext>
-            </a:extLst>
-          </p:cNvPr>
-          <p:cNvSpPr>
-            <a:spLocks noGrp="1"/>
-          </p:cNvSpPr>
-          <p:nvPr>
-            <p:ph type="sldNum" sz="quarter" idx="4"/>
-          </p:nvPr>
-        </p:nvSpPr>
-        <p:spPr>
-          <a:xfrm>
-            <a:off x="10153276" y="6356350"/>
-            <a:ext cx="1657723" cy="365125"/>
-          </a:xfrm>
-        </p:spPr>
-        <p:txBody>
-          <a:bodyPr rtlCol="0"/>
-          <a:lstStyle/>
-          <a:p>
-            <a:pPr rtl="0"/>
-            <a:fld id="{294A09A9-5501-47C1-A89A-A340965A2BE2}" type="slidenum">
-              <a:rPr lang="en-US" altLang="zh-CN" smtClean="0"/>
-              <a:pPr/>
-              <a:t>2</a:t>
-            </a:fld>
-            <a:endParaRPr lang="zh-CN" altLang="en-US"/>
-          </a:p>
-        </p:txBody>
-      </p:sp>
-    </p:spTree>
-    <p:extLst>
-      <p:ext uri="{BB962C8B-B14F-4D97-AF65-F5344CB8AC3E}">
-        <p14:creationId xmlns:p14="http://schemas.microsoft.com/office/powerpoint/2010/main" val="1325608595"/>
-      </p:ext>
-    </p:extLst>
-  </p:cSld>
-  <p:clrMapOvr>
-    <a:masterClrMapping/>
-  </p:clrMapOvr>
-</p:sld>
-</file>
-
-<file path=ppt/slides/slide20.xml><?xml version="1.0" encoding="utf-8"?>
-<p:sld xmlns:a="http://schemas.openxmlformats.org/drawingml/2006/main" xmlns:r="http://schemas.openxmlformats.org/officeDocument/2006/relationships" xmlns:p="http://schemas.openxmlformats.org/presentationml/2006/main">
-  <p:cSld>
-    <p:spTree>
-      <p:nvGrpSpPr>
-        <p:cNvPr id="1" name=""/>
-        <p:cNvGrpSpPr/>
-        <p:nvPr/>
-      </p:nvGrpSpPr>
-      <p:grpSpPr>
-        <a:xfrm>
-          <a:off x="0" y="0"/>
-          <a:ext cx="0" cy="0"/>
-          <a:chOff x="0" y="0"/>
-          <a:chExt cx="0" cy="0"/>
-        </a:xfrm>
-      </p:grpSpPr>
-      <p:sp>
-        <p:nvSpPr>
-          <p:cNvPr id="2" name="标题 1">
-            <a:extLst>
-              <a:ext uri="{FF2B5EF4-FFF2-40B4-BE49-F238E27FC236}">
                 <a16:creationId xmlns:a16="http://schemas.microsoft.com/office/drawing/2014/main" id="{F96F75DE-8A44-4EC5-83C6-95BDDF10DFD9}"/>
               </a:ext>
             </a:extLst>
@@ -19670,7 +21078,7 @@
             <a:fld id="{294A09A9-5501-47C1-A89A-A340965A2BE2}" type="slidenum">
               <a:rPr lang="en-US" altLang="zh-CN" smtClean="0"/>
               <a:pPr rtl="0"/>
-              <a:t>20</a:t>
+              <a:t>22</a:t>
             </a:fld>
             <a:endParaRPr lang="zh-CN" altLang="en-US"/>
           </a:p>
@@ -19719,7 +21127,7 @@
 </p:sld>
 </file>
 
-<file path=ppt/slides/slide21.xml><?xml version="1.0" encoding="utf-8"?>
+<file path=ppt/slides/slide23.xml><?xml version="1.0" encoding="utf-8"?>
 <p:sld xmlns:a="http://schemas.openxmlformats.org/drawingml/2006/main" xmlns:r="http://schemas.openxmlformats.org/officeDocument/2006/relationships" xmlns:p="http://schemas.openxmlformats.org/presentationml/2006/main">
   <p:cSld>
     <p:spTree>
@@ -19819,7 +21227,7 @@
             <a:fld id="{294A09A9-5501-47C1-A89A-A340965A2BE2}" type="slidenum">
               <a:rPr lang="en-US" altLang="zh-CN" smtClean="0"/>
               <a:pPr rtl="0"/>
-              <a:t>21</a:t>
+              <a:t>23</a:t>
             </a:fld>
             <a:endParaRPr lang="zh-CN" altLang="en-US"/>
           </a:p>
@@ -19868,7 +21276,7 @@
 </p:sld>
 </file>
 
-<file path=ppt/slides/slide22.xml><?xml version="1.0" encoding="utf-8"?>
+<file path=ppt/slides/slide24.xml><?xml version="1.0" encoding="utf-8"?>
 <p:sld xmlns:a="http://schemas.openxmlformats.org/drawingml/2006/main" xmlns:r="http://schemas.openxmlformats.org/officeDocument/2006/relationships" xmlns:p="http://schemas.openxmlformats.org/presentationml/2006/main">
   <p:cSld>
     <p:spTree>
@@ -19968,7 +21376,7 @@
             <a:fld id="{294A09A9-5501-47C1-A89A-A340965A2BE2}" type="slidenum">
               <a:rPr lang="en-US" altLang="zh-CN" smtClean="0"/>
               <a:pPr rtl="0"/>
-              <a:t>22</a:t>
+              <a:t>24</a:t>
             </a:fld>
             <a:endParaRPr lang="zh-CN" altLang="en-US"/>
           </a:p>
@@ -20017,7 +21425,7 @@
 </p:sld>
 </file>
 
-<file path=ppt/slides/slide23.xml><?xml version="1.0" encoding="utf-8"?>
+<file path=ppt/slides/slide25.xml><?xml version="1.0" encoding="utf-8"?>
 <p:sld xmlns:a="http://schemas.openxmlformats.org/drawingml/2006/main" xmlns:r="http://schemas.openxmlformats.org/officeDocument/2006/relationships" xmlns:p="http://schemas.openxmlformats.org/presentationml/2006/main">
   <p:cSld>
     <p:spTree>
@@ -20117,7 +21525,7 @@
             <a:fld id="{294A09A9-5501-47C1-A89A-A340965A2BE2}" type="slidenum">
               <a:rPr lang="en-US" altLang="zh-CN" smtClean="0"/>
               <a:pPr rtl="0"/>
-              <a:t>23</a:t>
+              <a:t>25</a:t>
             </a:fld>
             <a:endParaRPr lang="zh-CN" altLang="en-US"/>
           </a:p>
@@ -20309,7 +21717,7 @@
 </p:sld>
 </file>
 
-<file path=ppt/slides/slide24.xml><?xml version="1.0" encoding="utf-8"?>
+<file path=ppt/slides/slide26.xml><?xml version="1.0" encoding="utf-8"?>
 <p:sld xmlns:a="http://schemas.openxmlformats.org/drawingml/2006/main" xmlns:r="http://schemas.openxmlformats.org/officeDocument/2006/relationships" xmlns:p="http://schemas.openxmlformats.org/presentationml/2006/main">
   <p:cSld>
     <p:spTree>
@@ -20409,7 +21817,7 @@
             <a:fld id="{294A09A9-5501-47C1-A89A-A340965A2BE2}" type="slidenum">
               <a:rPr lang="en-US" altLang="zh-CN" smtClean="0"/>
               <a:pPr rtl="0"/>
-              <a:t>24</a:t>
+              <a:t>26</a:t>
             </a:fld>
             <a:endParaRPr lang="zh-CN" altLang="en-US"/>
           </a:p>
@@ -20744,7 +22152,7 @@
 </p:sld>
 </file>
 
-<file path=ppt/slides/slide25.xml><?xml version="1.0" encoding="utf-8"?>
+<file path=ppt/slides/slide27.xml><?xml version="1.0" encoding="utf-8"?>
 <p:sld xmlns:a="http://schemas.openxmlformats.org/drawingml/2006/main" xmlns:r="http://schemas.openxmlformats.org/officeDocument/2006/relationships" xmlns:p="http://schemas.openxmlformats.org/presentationml/2006/main">
   <p:cSld>
     <p:spTree>
@@ -20844,7 +22252,7 @@
             <a:fld id="{294A09A9-5501-47C1-A89A-A340965A2BE2}" type="slidenum">
               <a:rPr lang="en-US" altLang="zh-CN" smtClean="0"/>
               <a:pPr rtl="0"/>
-              <a:t>25</a:t>
+              <a:t>27</a:t>
             </a:fld>
             <a:endParaRPr lang="zh-CN" altLang="en-US"/>
           </a:p>
@@ -21322,7 +22730,7 @@
 </p:sld>
 </file>
 
-<file path=ppt/slides/slide26.xml><?xml version="1.0" encoding="utf-8"?>
+<file path=ppt/slides/slide28.xml><?xml version="1.0" encoding="utf-8"?>
 <p:sld xmlns:a="http://schemas.openxmlformats.org/drawingml/2006/main" xmlns:r="http://schemas.openxmlformats.org/officeDocument/2006/relationships" xmlns:p="http://schemas.openxmlformats.org/presentationml/2006/main">
   <p:cSld>
     <p:spTree>
@@ -21422,7 +22830,7 @@
             <a:fld id="{294A09A9-5501-47C1-A89A-A340965A2BE2}" type="slidenum">
               <a:rPr lang="en-US" altLang="zh-CN" smtClean="0"/>
               <a:pPr rtl="0"/>
-              <a:t>26</a:t>
+              <a:t>28</a:t>
             </a:fld>
             <a:endParaRPr lang="zh-CN" altLang="en-US"/>
           </a:p>
@@ -21614,7 +23022,7 @@
 </p:sld>
 </file>
 
-<file path=ppt/slides/slide27.xml><?xml version="1.0" encoding="utf-8"?>
+<file path=ppt/slides/slide29.xml><?xml version="1.0" encoding="utf-8"?>
 <p:sld xmlns:a="http://schemas.openxmlformats.org/drawingml/2006/main" xmlns:r="http://schemas.openxmlformats.org/officeDocument/2006/relationships" xmlns:p="http://schemas.openxmlformats.org/presentationml/2006/main">
   <p:cSld>
     <p:spTree>
@@ -21683,7 +23091,7 @@
 </p:sld>
 </file>
 
-<file path=ppt/slides/slide28.xml><?xml version="1.0" encoding="utf-8"?>
+<file path=ppt/slides/slide3.xml><?xml version="1.0" encoding="utf-8"?>
 <p:sld xmlns:a="http://schemas.openxmlformats.org/drawingml/2006/main" xmlns:r="http://schemas.openxmlformats.org/officeDocument/2006/relationships" xmlns:p="http://schemas.openxmlformats.org/presentationml/2006/main">
   <p:cSld>
     <p:spTree>
@@ -21702,6 +23110,79 @@
       </p:grpSpPr>
       <p:sp>
         <p:nvSpPr>
+          <p:cNvPr id="3" name="副标题 2">
+            <a:extLst>
+              <a:ext uri="{FF2B5EF4-FFF2-40B4-BE49-F238E27FC236}">
+                <a16:creationId xmlns:a16="http://schemas.microsoft.com/office/drawing/2014/main" id="{A068D447-28D3-4F5F-B2DC-FD67E9015868}"/>
+              </a:ext>
+            </a:extLst>
+          </p:cNvPr>
+          <p:cNvSpPr>
+            <a:spLocks noGrp="1"/>
+          </p:cNvSpPr>
+          <p:nvPr>
+            <p:ph type="subTitle" idx="1"/>
+          </p:nvPr>
+        </p:nvSpPr>
+        <p:spPr>
+          <a:xfrm>
+            <a:off x="743544" y="2622325"/>
+            <a:ext cx="9500507" cy="806675"/>
+          </a:xfrm>
+        </p:spPr>
+        <p:txBody>
+          <a:bodyPr rtlCol="0"/>
+          <a:lstStyle/>
+          <a:p>
+            <a:pPr rtl="0"/>
+            <a:r>
+              <a:rPr lang="en-US" altLang="ja-JP" sz="5400" dirty="0"/>
+              <a:t>1.</a:t>
+            </a:r>
+            <a:r>
+              <a:rPr lang="en-US" altLang="zh-CN" sz="5400" dirty="0"/>
+              <a:t> NTP</a:t>
+            </a:r>
+            <a:r>
+              <a:rPr lang="ja-JP" altLang="en-US" sz="5400" dirty="0"/>
+              <a:t>サーバーの作成</a:t>
+            </a:r>
+            <a:endParaRPr lang="en-US" altLang="zh-CN" sz="5400" dirty="0"/>
+          </a:p>
+        </p:txBody>
+      </p:sp>
+    </p:spTree>
+    <p:extLst>
+      <p:ext uri="{BB962C8B-B14F-4D97-AF65-F5344CB8AC3E}">
+        <p14:creationId xmlns:p14="http://schemas.microsoft.com/office/powerpoint/2010/main" val="340230027"/>
+      </p:ext>
+    </p:extLst>
+  </p:cSld>
+  <p:clrMapOvr>
+    <a:masterClrMapping/>
+  </p:clrMapOvr>
+</p:sld>
+</file>
+
+<file path=ppt/slides/slide30.xml><?xml version="1.0" encoding="utf-8"?>
+<p:sld xmlns:a="http://schemas.openxmlformats.org/drawingml/2006/main" xmlns:r="http://schemas.openxmlformats.org/officeDocument/2006/relationships" xmlns:p="http://schemas.openxmlformats.org/presentationml/2006/main">
+  <p:cSld>
+    <p:spTree>
+      <p:nvGrpSpPr>
+        <p:cNvPr id="1" name=""/>
+        <p:cNvGrpSpPr/>
+        <p:nvPr/>
+      </p:nvGrpSpPr>
+      <p:grpSpPr>
+        <a:xfrm>
+          <a:off x="0" y="0"/>
+          <a:ext cx="0" cy="0"/>
+          <a:chOff x="0" y="0"/>
+          <a:chExt cx="0" cy="0"/>
+        </a:xfrm>
+      </p:grpSpPr>
+      <p:sp>
+        <p:nvSpPr>
           <p:cNvPr id="2" name="标题 1">
             <a:extLst>
               <a:ext uri="{FF2B5EF4-FFF2-40B4-BE49-F238E27FC236}">
@@ -21764,7 +23245,7 @@
             <a:fld id="{294A09A9-5501-47C1-A89A-A340965A2BE2}" type="slidenum">
               <a:rPr lang="en-US" altLang="zh-CN" smtClean="0"/>
               <a:pPr rtl="0"/>
-              <a:t>28</a:t>
+              <a:t>30</a:t>
             </a:fld>
             <a:endParaRPr lang="zh-CN" altLang="en-US"/>
           </a:p>
@@ -22135,8 +23616,8 @@
         </p:nvSpPr>
         <p:spPr>
           <a:xfrm>
-            <a:off x="552350" y="6210637"/>
-            <a:ext cx="3329694" cy="369332"/>
+            <a:off x="552349" y="6210637"/>
+            <a:ext cx="7461119" cy="369332"/>
           </a:xfrm>
           <a:prstGeom prst="rect">
             <a:avLst/>
@@ -22155,7 +23636,11 @@
             </a:r>
             <a:r>
               <a:rPr lang="en-US" altLang="ja-JP" dirty="0"/>
-              <a:t>UTC</a:t>
+              <a:t>UTC; Ubuntu VM</a:t>
+            </a:r>
+            <a:r>
+              <a:rPr lang="ja-JP" altLang="en-US" dirty="0"/>
+              <a:t>時間修正：なし</a:t>
             </a:r>
             <a:endParaRPr lang="zh-CN" altLang="en-US" dirty="0"/>
           </a:p>
@@ -22174,7 +23659,7 @@
 </p:sld>
 </file>
 
-<file path=ppt/slides/slide29.xml><?xml version="1.0" encoding="utf-8"?>
+<file path=ppt/slides/slide31.xml><?xml version="1.0" encoding="utf-8"?>
 <p:sld xmlns:a="http://schemas.openxmlformats.org/drawingml/2006/main" xmlns:r="http://schemas.openxmlformats.org/officeDocument/2006/relationships" xmlns:p="http://schemas.openxmlformats.org/presentationml/2006/main">
   <p:cSld>
     <p:spTree>
@@ -22191,26 +23676,86 @@
           <a:chExt cx="0" cy="0"/>
         </a:xfrm>
       </p:grpSpPr>
-      <p:sp>
-        <p:nvSpPr>
-          <p:cNvPr id="3" name="副标题 2">
-            <a:extLst>
-              <a:ext uri="{FF2B5EF4-FFF2-40B4-BE49-F238E27FC236}">
-                <a16:creationId xmlns:a16="http://schemas.microsoft.com/office/drawing/2014/main" id="{A068D447-28D3-4F5F-B2DC-FD67E9015868}"/>
-              </a:ext>
-            </a:extLst>
-          </p:cNvPr>
-          <p:cNvSpPr>
-            <a:spLocks noGrp="1"/>
-          </p:cNvSpPr>
-          <p:nvPr>
-            <p:ph type="subTitle" idx="1"/>
-          </p:nvPr>
-        </p:nvSpPr>
+      <p:pic>
+        <p:nvPicPr>
+          <p:cNvPr id="15" name="图片 14">
+            <a:extLst>
+              <a:ext uri="{FF2B5EF4-FFF2-40B4-BE49-F238E27FC236}">
+                <a16:creationId xmlns:a16="http://schemas.microsoft.com/office/drawing/2014/main" id="{38F578B1-2172-4ED7-A0AF-0A8F3A6081DB}"/>
+              </a:ext>
+            </a:extLst>
+          </p:cNvPr>
+          <p:cNvPicPr>
+            <a:picLocks noChangeAspect="1"/>
+          </p:cNvPicPr>
+          <p:nvPr/>
+        </p:nvPicPr>
+        <p:blipFill>
+          <a:blip r:embed="rId3"/>
+          <a:stretch>
+            <a:fillRect/>
+          </a:stretch>
+        </p:blipFill>
         <p:spPr>
           <a:xfrm>
-            <a:off x="743544" y="2622325"/>
-            <a:ext cx="9500507" cy="1567290"/>
+            <a:off x="7202575" y="5680674"/>
+            <a:ext cx="2400000" cy="495238"/>
+          </a:xfrm>
+          <a:prstGeom prst="rect">
+            <a:avLst/>
+          </a:prstGeom>
+        </p:spPr>
+      </p:pic>
+      <p:pic>
+        <p:nvPicPr>
+          <p:cNvPr id="4" name="图片 3">
+            <a:extLst>
+              <a:ext uri="{FF2B5EF4-FFF2-40B4-BE49-F238E27FC236}">
+                <a16:creationId xmlns:a16="http://schemas.microsoft.com/office/drawing/2014/main" id="{437BB5A2-238A-4028-9E6F-DF8670F60EEE}"/>
+              </a:ext>
+            </a:extLst>
+          </p:cNvPr>
+          <p:cNvPicPr>
+            <a:picLocks noChangeAspect="1"/>
+          </p:cNvPicPr>
+          <p:nvPr/>
+        </p:nvPicPr>
+        <p:blipFill>
+          <a:blip r:embed="rId4"/>
+          <a:stretch>
+            <a:fillRect/>
+          </a:stretch>
+        </p:blipFill>
+        <p:spPr>
+          <a:xfrm>
+            <a:off x="552349" y="1233219"/>
+            <a:ext cx="5773636" cy="4907967"/>
+          </a:xfrm>
+          <a:prstGeom prst="rect">
+            <a:avLst/>
+          </a:prstGeom>
+        </p:spPr>
+      </p:pic>
+      <p:sp>
+        <p:nvSpPr>
+          <p:cNvPr id="2" name="标题 1">
+            <a:extLst>
+              <a:ext uri="{FF2B5EF4-FFF2-40B4-BE49-F238E27FC236}">
+                <a16:creationId xmlns:a16="http://schemas.microsoft.com/office/drawing/2014/main" id="{F96F75DE-8A44-4EC5-83C6-95BDDF10DFD9}"/>
+              </a:ext>
+            </a:extLst>
+          </p:cNvPr>
+          <p:cNvSpPr>
+            <a:spLocks noGrp="1"/>
+          </p:cNvSpPr>
+          <p:nvPr>
+            <p:ph type="title"/>
+          </p:nvPr>
+        </p:nvSpPr>
+        <p:spPr>
+          <a:xfrm>
+            <a:off x="552350" y="324197"/>
+            <a:ext cx="10187694" cy="908541"/>
           </a:xfrm>
         </p:spPr>
         <p:txBody>
@@ -22219,17 +23764,382 @@
           <a:p>
             <a:pPr rtl="0"/>
             <a:r>
-              <a:rPr lang="ja-JP" altLang="en-US" sz="4000" dirty="0"/>
-              <a:t>＊タイムゾーンの設定</a:t>
-            </a:r>
-            <a:endParaRPr lang="zh-CN" altLang="en-US" sz="4000" dirty="0"/>
+              <a:rPr lang="en-US" altLang="zh-CN" sz="3600" dirty="0"/>
+              <a:t>3. </a:t>
+            </a:r>
+            <a:r>
+              <a:rPr lang="ja-JP" altLang="en-US" sz="3600" dirty="0"/>
+              <a:t>結果確認</a:t>
+            </a:r>
+            <a:endParaRPr lang="en-US" altLang="zh-CN" sz="3600" dirty="0"/>
+          </a:p>
+        </p:txBody>
+      </p:sp>
+      <p:sp>
+        <p:nvSpPr>
+          <p:cNvPr id="6" name="幻灯片编号占位符 5">
+            <a:extLst>
+              <a:ext uri="{FF2B5EF4-FFF2-40B4-BE49-F238E27FC236}">
+                <a16:creationId xmlns:a16="http://schemas.microsoft.com/office/drawing/2014/main" id="{50B6C709-8794-DF4E-A15C-6E648F09DD12}"/>
+              </a:ext>
+            </a:extLst>
+          </p:cNvPr>
+          <p:cNvSpPr>
+            <a:spLocks noGrp="1"/>
+          </p:cNvSpPr>
+          <p:nvPr>
+            <p:ph type="sldNum" sz="quarter" idx="4"/>
+          </p:nvPr>
+        </p:nvSpPr>
+        <p:spPr/>
+        <p:txBody>
+          <a:bodyPr rtlCol="0"/>
+          <a:lstStyle/>
+          <a:p>
+            <a:pPr rtl="0"/>
+            <a:fld id="{294A09A9-5501-47C1-A89A-A340965A2BE2}" type="slidenum">
+              <a:rPr lang="en-US" altLang="zh-CN" smtClean="0"/>
+              <a:pPr rtl="0"/>
+              <a:t>31</a:t>
+            </a:fld>
+            <a:endParaRPr lang="zh-CN" altLang="en-US"/>
+          </a:p>
+        </p:txBody>
+      </p:sp>
+      <p:sp>
+        <p:nvSpPr>
+          <p:cNvPr id="10" name="矩形 9">
+            <a:extLst>
+              <a:ext uri="{FF2B5EF4-FFF2-40B4-BE49-F238E27FC236}">
+                <a16:creationId xmlns:a16="http://schemas.microsoft.com/office/drawing/2014/main" id="{02C0D9D0-E92D-4CCB-B9F1-330413EE18AC}"/>
+              </a:ext>
+            </a:extLst>
+          </p:cNvPr>
+          <p:cNvSpPr/>
+          <p:nvPr/>
+        </p:nvSpPr>
+        <p:spPr>
+          <a:xfrm>
+            <a:off x="552348" y="5810596"/>
+            <a:ext cx="1874968" cy="174568"/>
+          </a:xfrm>
+          <a:prstGeom prst="rect">
+            <a:avLst/>
+          </a:prstGeom>
+          <a:noFill/>
+          <a:ln w="28575">
+            <a:solidFill>
+              <a:srgbClr val="FF0000"/>
+            </a:solidFill>
+          </a:ln>
+        </p:spPr>
+        <p:style>
+          <a:lnRef idx="2">
+            <a:schemeClr val="accent1">
+              <a:shade val="50000"/>
+            </a:schemeClr>
+          </a:lnRef>
+          <a:fillRef idx="1">
+            <a:schemeClr val="accent1"/>
+          </a:fillRef>
+          <a:effectRef idx="0">
+            <a:schemeClr val="accent1"/>
+          </a:effectRef>
+          <a:fontRef idx="minor">
+            <a:schemeClr val="lt1"/>
+          </a:fontRef>
+        </p:style>
+        <p:txBody>
+          <a:bodyPr rtlCol="0" anchor="t"/>
+          <a:lstStyle>
+            <a:lvl1pPr marL="0" indent="0">
+              <a:defRPr sz="1100">
+                <a:solidFill>
+                  <a:schemeClr val="lt1"/>
+                </a:solidFill>
+                <a:latin typeface="+mn-lt"/>
+                <a:ea typeface="+mn-ea"/>
+                <a:cs typeface="+mn-cs"/>
+              </a:defRPr>
+            </a:lvl1pPr>
+            <a:lvl2pPr marL="457200" indent="0">
+              <a:defRPr sz="1100">
+                <a:solidFill>
+                  <a:schemeClr val="lt1"/>
+                </a:solidFill>
+                <a:latin typeface="+mn-lt"/>
+                <a:ea typeface="+mn-ea"/>
+                <a:cs typeface="+mn-cs"/>
+              </a:defRPr>
+            </a:lvl2pPr>
+            <a:lvl3pPr marL="914400" indent="0">
+              <a:defRPr sz="1100">
+                <a:solidFill>
+                  <a:schemeClr val="lt1"/>
+                </a:solidFill>
+                <a:latin typeface="+mn-lt"/>
+                <a:ea typeface="+mn-ea"/>
+                <a:cs typeface="+mn-cs"/>
+              </a:defRPr>
+            </a:lvl3pPr>
+            <a:lvl4pPr marL="1371600" indent="0">
+              <a:defRPr sz="1100">
+                <a:solidFill>
+                  <a:schemeClr val="lt1"/>
+                </a:solidFill>
+                <a:latin typeface="+mn-lt"/>
+                <a:ea typeface="+mn-ea"/>
+                <a:cs typeface="+mn-cs"/>
+              </a:defRPr>
+            </a:lvl4pPr>
+            <a:lvl5pPr marL="1828800" indent="0">
+              <a:defRPr sz="1100">
+                <a:solidFill>
+                  <a:schemeClr val="lt1"/>
+                </a:solidFill>
+                <a:latin typeface="+mn-lt"/>
+                <a:ea typeface="+mn-ea"/>
+                <a:cs typeface="+mn-cs"/>
+              </a:defRPr>
+            </a:lvl5pPr>
+            <a:lvl6pPr marL="2286000" indent="0">
+              <a:defRPr sz="1100">
+                <a:solidFill>
+                  <a:schemeClr val="lt1"/>
+                </a:solidFill>
+                <a:latin typeface="+mn-lt"/>
+                <a:ea typeface="+mn-ea"/>
+                <a:cs typeface="+mn-cs"/>
+              </a:defRPr>
+            </a:lvl6pPr>
+            <a:lvl7pPr marL="2743200" indent="0">
+              <a:defRPr sz="1100">
+                <a:solidFill>
+                  <a:schemeClr val="lt1"/>
+                </a:solidFill>
+                <a:latin typeface="+mn-lt"/>
+                <a:ea typeface="+mn-ea"/>
+                <a:cs typeface="+mn-cs"/>
+              </a:defRPr>
+            </a:lvl7pPr>
+            <a:lvl8pPr marL="3200400" indent="0">
+              <a:defRPr sz="1100">
+                <a:solidFill>
+                  <a:schemeClr val="lt1"/>
+                </a:solidFill>
+                <a:latin typeface="+mn-lt"/>
+                <a:ea typeface="+mn-ea"/>
+                <a:cs typeface="+mn-cs"/>
+              </a:defRPr>
+            </a:lvl8pPr>
+            <a:lvl9pPr marL="3657600" indent="0">
+              <a:defRPr sz="1100">
+                <a:solidFill>
+                  <a:schemeClr val="lt1"/>
+                </a:solidFill>
+                <a:latin typeface="+mn-lt"/>
+                <a:ea typeface="+mn-ea"/>
+                <a:cs typeface="+mn-cs"/>
+              </a:defRPr>
+            </a:lvl9pPr>
+          </a:lstStyle>
+          <a:p>
+            <a:pPr algn="l"/>
+            <a:endParaRPr lang="zh-CN" altLang="en-US" sz="1100"/>
+          </a:p>
+        </p:txBody>
+      </p:sp>
+      <p:sp>
+        <p:nvSpPr>
+          <p:cNvPr id="13" name="文本框 12">
+            <a:extLst>
+              <a:ext uri="{FF2B5EF4-FFF2-40B4-BE49-F238E27FC236}">
+                <a16:creationId xmlns:a16="http://schemas.microsoft.com/office/drawing/2014/main" id="{A057CA3D-2E23-4FD2-A049-0843D202AD89}"/>
+              </a:ext>
+            </a:extLst>
+          </p:cNvPr>
+          <p:cNvSpPr txBox="1"/>
+          <p:nvPr/>
+        </p:nvSpPr>
+        <p:spPr>
+          <a:xfrm>
+            <a:off x="552349" y="6210637"/>
+            <a:ext cx="7461119" cy="369332"/>
+          </a:xfrm>
+          <a:prstGeom prst="rect">
+            <a:avLst/>
+          </a:prstGeom>
+          <a:noFill/>
+        </p:spPr>
+        <p:txBody>
+          <a:bodyPr wrap="square" rtlCol="0">
+            <a:spAutoFit/>
+          </a:bodyPr>
+          <a:lstStyle/>
+          <a:p>
+            <a:r>
+              <a:rPr lang="ja-JP" altLang="en-US" dirty="0"/>
+              <a:t>＊タイムゾーン：</a:t>
+            </a:r>
+            <a:r>
+              <a:rPr lang="en-US" altLang="ja-JP" dirty="0"/>
+              <a:t>UTC; Ubuntu VM</a:t>
+            </a:r>
+            <a:r>
+              <a:rPr lang="ja-JP" altLang="en-US" dirty="0"/>
+              <a:t>時間修正：あり</a:t>
+            </a:r>
+            <a:endParaRPr lang="zh-CN" altLang="en-US" dirty="0"/>
+          </a:p>
+        </p:txBody>
+      </p:sp>
+      <p:sp>
+        <p:nvSpPr>
+          <p:cNvPr id="14" name="矩形 13">
+            <a:extLst>
+              <a:ext uri="{FF2B5EF4-FFF2-40B4-BE49-F238E27FC236}">
+                <a16:creationId xmlns:a16="http://schemas.microsoft.com/office/drawing/2014/main" id="{D814CFBB-99BB-4CB4-B4C2-464E8210E854}"/>
+              </a:ext>
+            </a:extLst>
+          </p:cNvPr>
+          <p:cNvSpPr/>
+          <p:nvPr/>
+        </p:nvSpPr>
+        <p:spPr>
+          <a:xfrm>
+            <a:off x="8402575" y="5723505"/>
+            <a:ext cx="771525" cy="409575"/>
+          </a:xfrm>
+          <a:prstGeom prst="rect">
+            <a:avLst/>
+          </a:prstGeom>
+          <a:noFill/>
+          <a:ln w="28575">
+            <a:solidFill>
+              <a:srgbClr val="FF0000"/>
+            </a:solidFill>
+          </a:ln>
+        </p:spPr>
+        <p:style>
+          <a:lnRef idx="2">
+            <a:schemeClr val="accent1">
+              <a:shade val="50000"/>
+            </a:schemeClr>
+          </a:lnRef>
+          <a:fillRef idx="1">
+            <a:schemeClr val="accent1"/>
+          </a:fillRef>
+          <a:effectRef idx="0">
+            <a:schemeClr val="accent1"/>
+          </a:effectRef>
+          <a:fontRef idx="minor">
+            <a:schemeClr val="lt1"/>
+          </a:fontRef>
+        </p:style>
+        <p:txBody>
+          <a:bodyPr rtlCol="0" anchor="t"/>
+          <a:lstStyle>
+            <a:lvl1pPr marL="0" indent="0">
+              <a:defRPr sz="1100">
+                <a:solidFill>
+                  <a:schemeClr val="lt1"/>
+                </a:solidFill>
+                <a:latin typeface="+mn-lt"/>
+                <a:ea typeface="+mn-ea"/>
+                <a:cs typeface="+mn-cs"/>
+              </a:defRPr>
+            </a:lvl1pPr>
+            <a:lvl2pPr marL="457200" indent="0">
+              <a:defRPr sz="1100">
+                <a:solidFill>
+                  <a:schemeClr val="lt1"/>
+                </a:solidFill>
+                <a:latin typeface="+mn-lt"/>
+                <a:ea typeface="+mn-ea"/>
+                <a:cs typeface="+mn-cs"/>
+              </a:defRPr>
+            </a:lvl2pPr>
+            <a:lvl3pPr marL="914400" indent="0">
+              <a:defRPr sz="1100">
+                <a:solidFill>
+                  <a:schemeClr val="lt1"/>
+                </a:solidFill>
+                <a:latin typeface="+mn-lt"/>
+                <a:ea typeface="+mn-ea"/>
+                <a:cs typeface="+mn-cs"/>
+              </a:defRPr>
+            </a:lvl3pPr>
+            <a:lvl4pPr marL="1371600" indent="0">
+              <a:defRPr sz="1100">
+                <a:solidFill>
+                  <a:schemeClr val="lt1"/>
+                </a:solidFill>
+                <a:latin typeface="+mn-lt"/>
+                <a:ea typeface="+mn-ea"/>
+                <a:cs typeface="+mn-cs"/>
+              </a:defRPr>
+            </a:lvl4pPr>
+            <a:lvl5pPr marL="1828800" indent="0">
+              <a:defRPr sz="1100">
+                <a:solidFill>
+                  <a:schemeClr val="lt1"/>
+                </a:solidFill>
+                <a:latin typeface="+mn-lt"/>
+                <a:ea typeface="+mn-ea"/>
+                <a:cs typeface="+mn-cs"/>
+              </a:defRPr>
+            </a:lvl5pPr>
+            <a:lvl6pPr marL="2286000" indent="0">
+              <a:defRPr sz="1100">
+                <a:solidFill>
+                  <a:schemeClr val="lt1"/>
+                </a:solidFill>
+                <a:latin typeface="+mn-lt"/>
+                <a:ea typeface="+mn-ea"/>
+                <a:cs typeface="+mn-cs"/>
+              </a:defRPr>
+            </a:lvl6pPr>
+            <a:lvl7pPr marL="2743200" indent="0">
+              <a:defRPr sz="1100">
+                <a:solidFill>
+                  <a:schemeClr val="lt1"/>
+                </a:solidFill>
+                <a:latin typeface="+mn-lt"/>
+                <a:ea typeface="+mn-ea"/>
+                <a:cs typeface="+mn-cs"/>
+              </a:defRPr>
+            </a:lvl7pPr>
+            <a:lvl8pPr marL="3200400" indent="0">
+              <a:defRPr sz="1100">
+                <a:solidFill>
+                  <a:schemeClr val="lt1"/>
+                </a:solidFill>
+                <a:latin typeface="+mn-lt"/>
+                <a:ea typeface="+mn-ea"/>
+                <a:cs typeface="+mn-cs"/>
+              </a:defRPr>
+            </a:lvl8pPr>
+            <a:lvl9pPr marL="3657600" indent="0">
+              <a:defRPr sz="1100">
+                <a:solidFill>
+                  <a:schemeClr val="lt1"/>
+                </a:solidFill>
+                <a:latin typeface="+mn-lt"/>
+                <a:ea typeface="+mn-ea"/>
+                <a:cs typeface="+mn-cs"/>
+              </a:defRPr>
+            </a:lvl9pPr>
+          </a:lstStyle>
+          <a:p>
+            <a:pPr algn="l"/>
+            <a:endParaRPr lang="zh-CN" altLang="en-US" sz="1100"/>
           </a:p>
         </p:txBody>
       </p:sp>
     </p:spTree>
     <p:extLst>
       <p:ext uri="{BB962C8B-B14F-4D97-AF65-F5344CB8AC3E}">
-        <p14:creationId xmlns:p14="http://schemas.microsoft.com/office/powerpoint/2010/main" val="1914720329"/>
+        <p14:creationId xmlns:p14="http://schemas.microsoft.com/office/powerpoint/2010/main" val="404812001"/>
       </p:ext>
     </p:extLst>
   </p:cSld>
@@ -22239,7 +24149,7 @@
 </p:sld>
 </file>
 
-<file path=ppt/slides/slide3.xml><?xml version="1.0" encoding="utf-8"?>
+<file path=ppt/slides/slide32.xml><?xml version="1.0" encoding="utf-8"?>
 <p:sld xmlns:a="http://schemas.openxmlformats.org/drawingml/2006/main" xmlns:r="http://schemas.openxmlformats.org/officeDocument/2006/relationships" xmlns:p="http://schemas.openxmlformats.org/presentationml/2006/main">
   <p:cSld>
     <p:spTree>
@@ -22275,7 +24185,7 @@
         <p:spPr>
           <a:xfrm>
             <a:off x="743544" y="2622325"/>
-            <a:ext cx="9500507" cy="806675"/>
+            <a:ext cx="9500507" cy="1567290"/>
           </a:xfrm>
         </p:spPr>
         <p:txBody>
@@ -22284,25 +24194,17 @@
           <a:p>
             <a:pPr rtl="0"/>
             <a:r>
-              <a:rPr lang="en-US" altLang="ja-JP" sz="5400" dirty="0"/>
-              <a:t>1.</a:t>
-            </a:r>
-            <a:r>
-              <a:rPr lang="en-US" altLang="zh-CN" sz="5400" dirty="0"/>
-              <a:t> NTP</a:t>
-            </a:r>
-            <a:r>
-              <a:rPr lang="ja-JP" altLang="en-US" sz="5400" dirty="0"/>
-              <a:t>サーバーの作成</a:t>
-            </a:r>
-            <a:endParaRPr lang="en-US" altLang="zh-CN" sz="5400" dirty="0"/>
+              <a:rPr lang="ja-JP" altLang="en-US" sz="4000" dirty="0"/>
+              <a:t>＊タイムゾーンの設定</a:t>
+            </a:r>
+            <a:endParaRPr lang="zh-CN" altLang="en-US" sz="4000" dirty="0"/>
           </a:p>
         </p:txBody>
       </p:sp>
     </p:spTree>
     <p:extLst>
       <p:ext uri="{BB962C8B-B14F-4D97-AF65-F5344CB8AC3E}">
-        <p14:creationId xmlns:p14="http://schemas.microsoft.com/office/powerpoint/2010/main" val="340230027"/>
+        <p14:creationId xmlns:p14="http://schemas.microsoft.com/office/powerpoint/2010/main" val="1914720329"/>
       </p:ext>
     </p:extLst>
   </p:cSld>
@@ -22312,7 +24214,7 @@
 </p:sld>
 </file>
 
-<file path=ppt/slides/slide30.xml><?xml version="1.0" encoding="utf-8"?>
+<file path=ppt/slides/slide33.xml><?xml version="1.0" encoding="utf-8"?>
 <p:sld xmlns:a="http://schemas.openxmlformats.org/drawingml/2006/main" xmlns:r="http://schemas.openxmlformats.org/officeDocument/2006/relationships" xmlns:p="http://schemas.openxmlformats.org/presentationml/2006/main">
   <p:cSld>
     <p:spTree>
@@ -22393,7 +24295,7 @@
             <a:fld id="{294A09A9-5501-47C1-A89A-A340965A2BE2}" type="slidenum">
               <a:rPr lang="en-US" altLang="zh-CN" smtClean="0"/>
               <a:pPr rtl="0"/>
-              <a:t>30</a:t>
+              <a:t>33</a:t>
             </a:fld>
             <a:endParaRPr lang="zh-CN" altLang="en-US"/>
           </a:p>
@@ -22585,7 +24487,7 @@
 </p:sld>
 </file>
 
-<file path=ppt/slides/slide31.xml><?xml version="1.0" encoding="utf-8"?>
+<file path=ppt/slides/slide34.xml><?xml version="1.0" encoding="utf-8"?>
 <p:sld xmlns:a="http://schemas.openxmlformats.org/drawingml/2006/main" xmlns:r="http://schemas.openxmlformats.org/officeDocument/2006/relationships" xmlns:p="http://schemas.openxmlformats.org/presentationml/2006/main">
   <p:cSld>
     <p:spTree>
@@ -22696,7 +24598,7 @@
             <a:fld id="{294A09A9-5501-47C1-A89A-A340965A2BE2}" type="slidenum">
               <a:rPr lang="en-US" altLang="zh-CN" smtClean="0"/>
               <a:pPr rtl="0"/>
-              <a:t>31</a:t>
+              <a:t>34</a:t>
             </a:fld>
             <a:endParaRPr lang="zh-CN" altLang="en-US"/>
           </a:p>
@@ -22858,7 +24760,7 @@
 </p:sld>
 </file>
 
-<file path=ppt/slides/slide32.xml><?xml version="1.0" encoding="utf-8"?>
+<file path=ppt/slides/slide35.xml><?xml version="1.0" encoding="utf-8"?>
 <p:sld xmlns:a="http://schemas.openxmlformats.org/drawingml/2006/main" xmlns:r="http://schemas.openxmlformats.org/officeDocument/2006/relationships" xmlns:p="http://schemas.openxmlformats.org/presentationml/2006/main">
   <p:cSld>
     <p:spTree>
@@ -22939,7 +24841,7 @@
             <a:fld id="{294A09A9-5501-47C1-A89A-A340965A2BE2}" type="slidenum">
               <a:rPr lang="en-US" altLang="zh-CN" smtClean="0"/>
               <a:pPr rtl="0"/>
-              <a:t>32</a:t>
+              <a:t>35</a:t>
             </a:fld>
             <a:endParaRPr lang="zh-CN" altLang="en-US"/>
           </a:p>
@@ -23274,7 +25176,7 @@
 </p:sld>
 </file>
 
-<file path=ppt/slides/slide33.xml><?xml version="1.0" encoding="utf-8"?>
+<file path=ppt/slides/slide36.xml><?xml version="1.0" encoding="utf-8"?>
 <p:sld xmlns:a="http://schemas.openxmlformats.org/drawingml/2006/main" xmlns:r="http://schemas.openxmlformats.org/officeDocument/2006/relationships" xmlns:p="http://schemas.openxmlformats.org/presentationml/2006/main">
   <p:cSld>
     <p:spTree>
@@ -23385,7 +25287,7 @@
             <a:fld id="{294A09A9-5501-47C1-A89A-A340965A2BE2}" type="slidenum">
               <a:rPr lang="en-US" altLang="zh-CN" smtClean="0"/>
               <a:pPr rtl="0"/>
-              <a:t>33</a:t>
+              <a:t>36</a:t>
             </a:fld>
             <a:endParaRPr lang="zh-CN" altLang="en-US"/>
           </a:p>
@@ -23612,35 +25514,6 @@
               <a:t>作成</a:t>
             </a:r>
             <a:endParaRPr lang="zh-CN" altLang="en-US" sz="2000" dirty="0"/>
-          </a:p>
-        </p:txBody>
-      </p:sp>
-      <p:sp>
-        <p:nvSpPr>
-          <p:cNvPr id="5" name="页脚占位符 4">
-            <a:extLst>
-              <a:ext uri="{FF2B5EF4-FFF2-40B4-BE49-F238E27FC236}">
-                <a16:creationId xmlns:a16="http://schemas.microsoft.com/office/drawing/2014/main" id="{0A79A912-225F-BE40-9F3E-0255524448CD}"/>
-              </a:ext>
-            </a:extLst>
-          </p:cNvPr>
-          <p:cNvSpPr>
-            <a:spLocks noGrp="1"/>
-          </p:cNvSpPr>
-          <p:nvPr>
-            <p:ph type="ftr" sz="quarter" idx="3"/>
-          </p:nvPr>
-        </p:nvSpPr>
-        <p:spPr/>
-        <p:txBody>
-          <a:bodyPr rtlCol="0"/>
-          <a:lstStyle/>
-          <a:p>
-            <a:pPr rtl="0"/>
-            <a:r>
-              <a:rPr lang="zh-CN" altLang="en-US"/>
-              <a:t>演示文稿标题</a:t>
-            </a:r>
           </a:p>
         </p:txBody>
       </p:sp>
@@ -25649,15 +27522,6 @@
 </file>
 
 <file path=customXml/item1.xml><?xml version="1.0" encoding="utf-8"?>
-<?mso-contentType ?>
-<FormTemplates xmlns="http://schemas.microsoft.com/sharepoint/v3/contenttype/forms">
-  <Display>DocumentLibraryForm</Display>
-  <Edit>DocumentLibraryForm</Edit>
-  <New>DocumentLibraryForm</New>
-</FormTemplates>
-</file>
-
-<file path=customXml/item2.xml><?xml version="1.0" encoding="utf-8"?>
 <ct:contentTypeSchema xmlns:ct="http://schemas.microsoft.com/office/2006/metadata/contentType" xmlns:ma="http://schemas.microsoft.com/office/2006/metadata/properties/metaAttributes" ct:_="" ma:_="" ma:contentTypeName="Document" ma:contentTypeID="0x01010079F111ED35F8CC479449609E8A0923A6" ma:contentTypeVersion="21" ma:contentTypeDescription="Create a new document." ma:contentTypeScope="" ma:versionID="64dfb1555687e0874b4304b796b5b0c7">
   <xsd:schema xmlns:xsd="http://www.w3.org/2001/XMLSchema" xmlns:xs="http://www.w3.org/2001/XMLSchema" xmlns:p="http://schemas.microsoft.com/office/2006/metadata/properties" xmlns:ns1="http://schemas.microsoft.com/sharepoint/v3" xmlns:ns2="71af3243-3dd4-4a8d-8c0d-dd76da1f02a5" xmlns:ns3="16c05727-aa75-4e4a-9b5f-8a80a1165891" xmlns:ns4="230e9df3-be65-4c73-a93b-d1236ebd677e" targetNamespace="http://schemas.microsoft.com/office/2006/metadata/properties" ma:root="true" ma:fieldsID="e6e4c555b5e194d05b7203de9c4567b3" ns1:_="" ns2:_="" ns3:_="" ns4:_="">
     <xsd:import namespace="http://schemas.microsoft.com/sharepoint/v3"/>
@@ -25939,6 +27803,15 @@
 </ct:contentTypeSchema>
 </file>
 
+<file path=customXml/item2.xml><?xml version="1.0" encoding="utf-8"?>
+<?mso-contentType ?>
+<FormTemplates xmlns="http://schemas.microsoft.com/sharepoint/v3/contenttype/forms">
+  <Display>DocumentLibraryForm</Display>
+  <Edit>DocumentLibraryForm</Edit>
+  <New>DocumentLibraryForm</New>
+</FormTemplates>
+</file>
+
 <file path=customXml/item3.xml><?xml version="1.0" encoding="utf-8"?>
 <p:properties xmlns:p="http://schemas.microsoft.com/office/2006/metadata/properties" xmlns:xsi="http://www.w3.org/2001/XMLSchema-instance" xmlns:pc="http://schemas.microsoft.com/office/infopath/2007/PartnerControls">
   <documentManagement>
@@ -25959,14 +27832,6 @@
 </file>
 
 <file path=customXml/itemProps1.xml><?xml version="1.0" encoding="utf-8"?>
-<ds:datastoreItem xmlns:ds="http://schemas.openxmlformats.org/officeDocument/2006/customXml" ds:itemID="{85334180-0405-413B-834A-44FA9E05ADB7}">
-  <ds:schemaRefs>
-    <ds:schemaRef ds:uri="http://schemas.microsoft.com/sharepoint/v3/contenttype/forms"/>
-  </ds:schemaRefs>
-</ds:datastoreItem>
-</file>
-
-<file path=customXml/itemProps2.xml><?xml version="1.0" encoding="utf-8"?>
 <ds:datastoreItem xmlns:ds="http://schemas.openxmlformats.org/officeDocument/2006/customXml" ds:itemID="{4A615295-94F6-4CE2-A1B1-6B7E1DAA5AD6}">
   <ds:schemaRefs>
     <ds:schemaRef ds:uri="http://schemas.microsoft.com/office/2006/metadata/contentType"/>
@@ -25983,6 +27848,14 @@
     <ds:schemaRef ds:uri="http://purl.org/dc/elements/1.1/"/>
     <ds:schemaRef ds:uri="http://purl.org/dc/terms/"/>
     <ds:schemaRef ds:uri="http://schemas.microsoft.com/internal/obd"/>
+  </ds:schemaRefs>
+</ds:datastoreItem>
+</file>
+
+<file path=customXml/itemProps2.xml><?xml version="1.0" encoding="utf-8"?>
+<ds:datastoreItem xmlns:ds="http://schemas.openxmlformats.org/officeDocument/2006/customXml" ds:itemID="{85334180-0405-413B-834A-44FA9E05ADB7}">
+  <ds:schemaRefs>
+    <ds:schemaRef ds:uri="http://schemas.microsoft.com/sharepoint/v3/contenttype/forms"/>
   </ds:schemaRefs>
 </ds:datastoreItem>
 </file>
